--- a/Presentación1-correccion.pptx
+++ b/Presentación1-correccion.pptx
@@ -10,16 +10,17 @@
     <p:sldId id="258" r:id="rId4"/>
     <p:sldId id="259" r:id="rId5"/>
     <p:sldId id="260" r:id="rId6"/>
-    <p:sldId id="261" r:id="rId7"/>
+    <p:sldId id="271" r:id="rId7"/>
     <p:sldId id="262" r:id="rId8"/>
     <p:sldId id="263" r:id="rId9"/>
     <p:sldId id="264" r:id="rId10"/>
-    <p:sldId id="265" r:id="rId11"/>
-    <p:sldId id="266" r:id="rId12"/>
-    <p:sldId id="267" r:id="rId13"/>
-    <p:sldId id="268" r:id="rId14"/>
-    <p:sldId id="269" r:id="rId15"/>
-    <p:sldId id="270" r:id="rId16"/>
+    <p:sldId id="261" r:id="rId11"/>
+    <p:sldId id="265" r:id="rId12"/>
+    <p:sldId id="266" r:id="rId13"/>
+    <p:sldId id="267" r:id="rId14"/>
+    <p:sldId id="268" r:id="rId15"/>
+    <p:sldId id="269" r:id="rId16"/>
+    <p:sldId id="270" r:id="rId17"/>
   </p:sldIdLst>
   <p:sldSz cx="12192000" cy="6858000"/>
   <p:notesSz cx="12192000" cy="6858000"/>
@@ -153,11 +154,288 @@
 <pc:chgInfo xmlns:a="http://schemas.openxmlformats.org/drawingml/2006/main" xmlns:r="http://schemas.openxmlformats.org/officeDocument/2006/relationships" xmlns:ac="http://schemas.microsoft.com/office/drawing/2013/main/command" xmlns:pc="http://schemas.microsoft.com/office/powerpoint/2013/main/command">
   <pc:docChgLst>
     <pc:chgData userId="862ffa9f26af0723" providerId="LiveId" clId="{E24DE3D8-1C32-4BB5-B776-106EB7766880}"/>
-    <pc:docChg chg="custSel addSld modSld sldOrd">
-      <pc:chgData name="" userId="862ffa9f26af0723" providerId="LiveId" clId="{E24DE3D8-1C32-4BB5-B776-106EB7766880}" dt="2024-04-23T16:51:28.431" v="128" actId="1076"/>
+    <pc:docChg chg="custSel addSld delSld modSld sldOrd">
+      <pc:chgData name="" userId="862ffa9f26af0723" providerId="LiveId" clId="{E24DE3D8-1C32-4BB5-B776-106EB7766880}" dt="2024-04-23T23:19:41.741" v="194"/>
       <pc:docMkLst>
         <pc:docMk/>
       </pc:docMkLst>
+      <pc:sldChg chg="ord">
+        <pc:chgData name="" userId="862ffa9f26af0723" providerId="LiveId" clId="{E24DE3D8-1C32-4BB5-B776-106EB7766880}" dt="2024-04-23T23:19:41.741" v="194"/>
+        <pc:sldMkLst>
+          <pc:docMk/>
+          <pc:sldMk cId="0" sldId="257"/>
+        </pc:sldMkLst>
+      </pc:sldChg>
+      <pc:sldChg chg="addSp delSp modSp">
+        <pc:chgData name="" userId="862ffa9f26af0723" providerId="LiveId" clId="{E24DE3D8-1C32-4BB5-B776-106EB7766880}" dt="2024-04-23T23:13:10.598" v="193" actId="1440"/>
+        <pc:sldMkLst>
+          <pc:docMk/>
+          <pc:sldMk cId="0" sldId="260"/>
+        </pc:sldMkLst>
+        <pc:spChg chg="del mod">
+          <ac:chgData name="" userId="862ffa9f26af0723" providerId="LiveId" clId="{E24DE3D8-1C32-4BB5-B776-106EB7766880}" dt="2024-04-23T23:04:58.411" v="155"/>
+          <ac:spMkLst>
+            <pc:docMk/>
+            <pc:sldMk cId="0" sldId="260"/>
+            <ac:spMk id="6" creationId="{00000000-0000-0000-0000-000000000000}"/>
+          </ac:spMkLst>
+        </pc:spChg>
+        <pc:spChg chg="del mod">
+          <ac:chgData name="" userId="862ffa9f26af0723" providerId="LiveId" clId="{E24DE3D8-1C32-4BB5-B776-106EB7766880}" dt="2024-04-23T23:04:54.412" v="150"/>
+          <ac:spMkLst>
+            <pc:docMk/>
+            <pc:sldMk cId="0" sldId="260"/>
+            <ac:spMk id="7" creationId="{00000000-0000-0000-0000-000000000000}"/>
+          </ac:spMkLst>
+        </pc:spChg>
+        <pc:spChg chg="del mod">
+          <ac:chgData name="" userId="862ffa9f26af0723" providerId="LiveId" clId="{E24DE3D8-1C32-4BB5-B776-106EB7766880}" dt="2024-04-23T23:05:01.731" v="157" actId="478"/>
+          <ac:spMkLst>
+            <pc:docMk/>
+            <pc:sldMk cId="0" sldId="260"/>
+            <ac:spMk id="8" creationId="{00000000-0000-0000-0000-000000000000}"/>
+          </ac:spMkLst>
+        </pc:spChg>
+        <pc:spChg chg="del">
+          <ac:chgData name="" userId="862ffa9f26af0723" providerId="LiveId" clId="{E24DE3D8-1C32-4BB5-B776-106EB7766880}" dt="2024-04-23T23:05:03.188" v="158" actId="478"/>
+          <ac:spMkLst>
+            <pc:docMk/>
+            <pc:sldMk cId="0" sldId="260"/>
+            <ac:spMk id="9" creationId="{00000000-0000-0000-0000-000000000000}"/>
+          </ac:spMkLst>
+        </pc:spChg>
+        <pc:spChg chg="del">
+          <ac:chgData name="" userId="862ffa9f26af0723" providerId="LiveId" clId="{E24DE3D8-1C32-4BB5-B776-106EB7766880}" dt="2024-04-23T23:05:08.228" v="161" actId="478"/>
+          <ac:spMkLst>
+            <pc:docMk/>
+            <pc:sldMk cId="0" sldId="260"/>
+            <ac:spMk id="10" creationId="{00000000-0000-0000-0000-000000000000}"/>
+          </ac:spMkLst>
+        </pc:spChg>
+        <pc:spChg chg="del">
+          <ac:chgData name="" userId="862ffa9f26af0723" providerId="LiveId" clId="{E24DE3D8-1C32-4BB5-B776-106EB7766880}" dt="2024-04-23T23:05:00.248" v="156" actId="478"/>
+          <ac:spMkLst>
+            <pc:docMk/>
+            <pc:sldMk cId="0" sldId="260"/>
+            <ac:spMk id="11" creationId="{00000000-0000-0000-0000-000000000000}"/>
+          </ac:spMkLst>
+        </pc:spChg>
+        <pc:spChg chg="del">
+          <ac:chgData name="" userId="862ffa9f26af0723" providerId="LiveId" clId="{E24DE3D8-1C32-4BB5-B776-106EB7766880}" dt="2024-04-23T23:04:44.653" v="145" actId="478"/>
+          <ac:spMkLst>
+            <pc:docMk/>
+            <pc:sldMk cId="0" sldId="260"/>
+            <ac:spMk id="12" creationId="{00000000-0000-0000-0000-000000000000}"/>
+          </ac:spMkLst>
+        </pc:spChg>
+        <pc:spChg chg="del">
+          <ac:chgData name="" userId="862ffa9f26af0723" providerId="LiveId" clId="{E24DE3D8-1C32-4BB5-B776-106EB7766880}" dt="2024-04-23T23:04:43.706" v="144" actId="478"/>
+          <ac:spMkLst>
+            <pc:docMk/>
+            <pc:sldMk cId="0" sldId="260"/>
+            <ac:spMk id="13" creationId="{00000000-0000-0000-0000-000000000000}"/>
+          </ac:spMkLst>
+        </pc:spChg>
+        <pc:spChg chg="del">
+          <ac:chgData name="" userId="862ffa9f26af0723" providerId="LiveId" clId="{E24DE3D8-1C32-4BB5-B776-106EB7766880}" dt="2024-04-23T23:05:06.318" v="160" actId="478"/>
+          <ac:spMkLst>
+            <pc:docMk/>
+            <pc:sldMk cId="0" sldId="260"/>
+            <ac:spMk id="14" creationId="{00000000-0000-0000-0000-000000000000}"/>
+          </ac:spMkLst>
+        </pc:spChg>
+        <pc:spChg chg="del">
+          <ac:chgData name="" userId="862ffa9f26af0723" providerId="LiveId" clId="{E24DE3D8-1C32-4BB5-B776-106EB7766880}" dt="2024-04-23T23:05:13.829" v="165" actId="478"/>
+          <ac:spMkLst>
+            <pc:docMk/>
+            <pc:sldMk cId="0" sldId="260"/>
+            <ac:spMk id="15" creationId="{00000000-0000-0000-0000-000000000000}"/>
+          </ac:spMkLst>
+        </pc:spChg>
+        <pc:spChg chg="del">
+          <ac:chgData name="" userId="862ffa9f26af0723" providerId="LiveId" clId="{E24DE3D8-1C32-4BB5-B776-106EB7766880}" dt="2024-04-23T23:05:09.638" v="162" actId="478"/>
+          <ac:spMkLst>
+            <pc:docMk/>
+            <pc:sldMk cId="0" sldId="260"/>
+            <ac:spMk id="16" creationId="{00000000-0000-0000-0000-000000000000}"/>
+          </ac:spMkLst>
+        </pc:spChg>
+        <pc:spChg chg="del">
+          <ac:chgData name="" userId="862ffa9f26af0723" providerId="LiveId" clId="{E24DE3D8-1C32-4BB5-B776-106EB7766880}" dt="2024-04-23T23:05:12.417" v="164" actId="478"/>
+          <ac:spMkLst>
+            <pc:docMk/>
+            <pc:sldMk cId="0" sldId="260"/>
+            <ac:spMk id="17" creationId="{00000000-0000-0000-0000-000000000000}"/>
+          </ac:spMkLst>
+        </pc:spChg>
+        <pc:spChg chg="del">
+          <ac:chgData name="" userId="862ffa9f26af0723" providerId="LiveId" clId="{E24DE3D8-1C32-4BB5-B776-106EB7766880}" dt="2024-04-23T23:05:10.982" v="163" actId="478"/>
+          <ac:spMkLst>
+            <pc:docMk/>
+            <pc:sldMk cId="0" sldId="260"/>
+            <ac:spMk id="18" creationId="{00000000-0000-0000-0000-000000000000}"/>
+          </ac:spMkLst>
+        </pc:spChg>
+        <pc:spChg chg="del">
+          <ac:chgData name="" userId="862ffa9f26af0723" providerId="LiveId" clId="{E24DE3D8-1C32-4BB5-B776-106EB7766880}" dt="2024-04-23T23:05:04.293" v="159" actId="478"/>
+          <ac:spMkLst>
+            <pc:docMk/>
+            <pc:sldMk cId="0" sldId="260"/>
+            <ac:spMk id="19" creationId="{00000000-0000-0000-0000-000000000000}"/>
+          </ac:spMkLst>
+        </pc:spChg>
+        <pc:spChg chg="del">
+          <ac:chgData name="" userId="862ffa9f26af0723" providerId="LiveId" clId="{E24DE3D8-1C32-4BB5-B776-106EB7766880}" dt="2024-04-23T23:05:17.005" v="167" actId="478"/>
+          <ac:spMkLst>
+            <pc:docMk/>
+            <pc:sldMk cId="0" sldId="260"/>
+            <ac:spMk id="20" creationId="{00000000-0000-0000-0000-000000000000}"/>
+          </ac:spMkLst>
+        </pc:spChg>
+        <pc:spChg chg="del">
+          <ac:chgData name="" userId="862ffa9f26af0723" providerId="LiveId" clId="{E24DE3D8-1C32-4BB5-B776-106EB7766880}" dt="2024-04-23T23:05:15.671" v="166" actId="478"/>
+          <ac:spMkLst>
+            <pc:docMk/>
+            <pc:sldMk cId="0" sldId="260"/>
+            <ac:spMk id="21" creationId="{00000000-0000-0000-0000-000000000000}"/>
+          </ac:spMkLst>
+        </pc:spChg>
+        <pc:spChg chg="del">
+          <ac:chgData name="" userId="862ffa9f26af0723" providerId="LiveId" clId="{E24DE3D8-1C32-4BB5-B776-106EB7766880}" dt="2024-04-23T23:04:49.297" v="147" actId="478"/>
+          <ac:spMkLst>
+            <pc:docMk/>
+            <pc:sldMk cId="0" sldId="260"/>
+            <ac:spMk id="22" creationId="{00000000-0000-0000-0000-000000000000}"/>
+          </ac:spMkLst>
+        </pc:spChg>
+        <pc:spChg chg="del mod">
+          <ac:chgData name="" userId="862ffa9f26af0723" providerId="LiveId" clId="{E24DE3D8-1C32-4BB5-B776-106EB7766880}" dt="2024-04-23T23:04:41.968" v="143" actId="478"/>
+          <ac:spMkLst>
+            <pc:docMk/>
+            <pc:sldMk cId="0" sldId="260"/>
+            <ac:spMk id="24" creationId="{00000000-0000-0000-0000-000000000000}"/>
+          </ac:spMkLst>
+        </pc:spChg>
+        <pc:spChg chg="del">
+          <ac:chgData name="" userId="862ffa9f26af0723" providerId="LiveId" clId="{E24DE3D8-1C32-4BB5-B776-106EB7766880}" dt="2024-04-23T23:04:35.316" v="139" actId="478"/>
+          <ac:spMkLst>
+            <pc:docMk/>
+            <pc:sldMk cId="0" sldId="260"/>
+            <ac:spMk id="25" creationId="{00000000-0000-0000-0000-000000000000}"/>
+          </ac:spMkLst>
+        </pc:spChg>
+        <pc:spChg chg="del">
+          <ac:chgData name="" userId="862ffa9f26af0723" providerId="LiveId" clId="{E24DE3D8-1C32-4BB5-B776-106EB7766880}" dt="2024-04-23T23:04:36.675" v="140" actId="478"/>
+          <ac:spMkLst>
+            <pc:docMk/>
+            <pc:sldMk cId="0" sldId="260"/>
+            <ac:spMk id="26" creationId="{00000000-0000-0000-0000-000000000000}"/>
+          </ac:spMkLst>
+        </pc:spChg>
+        <pc:spChg chg="del">
+          <ac:chgData name="" userId="862ffa9f26af0723" providerId="LiveId" clId="{E24DE3D8-1C32-4BB5-B776-106EB7766880}" dt="2024-04-23T23:05:20.741" v="169" actId="478"/>
+          <ac:spMkLst>
+            <pc:docMk/>
+            <pc:sldMk cId="0" sldId="260"/>
+            <ac:spMk id="27" creationId="{00000000-0000-0000-0000-000000000000}"/>
+          </ac:spMkLst>
+        </pc:spChg>
+        <pc:spChg chg="del">
+          <ac:chgData name="" userId="862ffa9f26af0723" providerId="LiveId" clId="{E24DE3D8-1C32-4BB5-B776-106EB7766880}" dt="2024-04-23T23:05:23.305" v="171" actId="478"/>
+          <ac:spMkLst>
+            <pc:docMk/>
+            <pc:sldMk cId="0" sldId="260"/>
+            <ac:spMk id="28" creationId="{00000000-0000-0000-0000-000000000000}"/>
+          </ac:spMkLst>
+        </pc:spChg>
+        <pc:spChg chg="del">
+          <ac:chgData name="" userId="862ffa9f26af0723" providerId="LiveId" clId="{E24DE3D8-1C32-4BB5-B776-106EB7766880}" dt="2024-04-23T23:05:19.550" v="168" actId="478"/>
+          <ac:spMkLst>
+            <pc:docMk/>
+            <pc:sldMk cId="0" sldId="260"/>
+            <ac:spMk id="29" creationId="{00000000-0000-0000-0000-000000000000}"/>
+          </ac:spMkLst>
+        </pc:spChg>
+        <pc:spChg chg="del">
+          <ac:chgData name="" userId="862ffa9f26af0723" providerId="LiveId" clId="{E24DE3D8-1C32-4BB5-B776-106EB7766880}" dt="2024-04-23T23:05:21.931" v="170" actId="478"/>
+          <ac:spMkLst>
+            <pc:docMk/>
+            <pc:sldMk cId="0" sldId="260"/>
+            <ac:spMk id="30" creationId="{00000000-0000-0000-0000-000000000000}"/>
+          </ac:spMkLst>
+        </pc:spChg>
+        <pc:spChg chg="del">
+          <ac:chgData name="" userId="862ffa9f26af0723" providerId="LiveId" clId="{E24DE3D8-1C32-4BB5-B776-106EB7766880}" dt="2024-04-23T23:04:38.324" v="141" actId="478"/>
+          <ac:spMkLst>
+            <pc:docMk/>
+            <pc:sldMk cId="0" sldId="260"/>
+            <ac:spMk id="31" creationId="{00000000-0000-0000-0000-000000000000}"/>
+          </ac:spMkLst>
+        </pc:spChg>
+        <pc:spChg chg="del">
+          <ac:chgData name="" userId="862ffa9f26af0723" providerId="LiveId" clId="{E24DE3D8-1C32-4BB5-B776-106EB7766880}" dt="2024-04-23T23:04:29.383" v="136" actId="478"/>
+          <ac:spMkLst>
+            <pc:docMk/>
+            <pc:sldMk cId="0" sldId="260"/>
+            <ac:spMk id="32" creationId="{00000000-0000-0000-0000-000000000000}"/>
+          </ac:spMkLst>
+        </pc:spChg>
+        <pc:spChg chg="del">
+          <ac:chgData name="" userId="862ffa9f26af0723" providerId="LiveId" clId="{E24DE3D8-1C32-4BB5-B776-106EB7766880}" dt="2024-04-23T23:04:33.049" v="138" actId="478"/>
+          <ac:spMkLst>
+            <pc:docMk/>
+            <pc:sldMk cId="0" sldId="260"/>
+            <ac:spMk id="33" creationId="{00000000-0000-0000-0000-000000000000}"/>
+          </ac:spMkLst>
+        </pc:spChg>
+        <pc:spChg chg="del">
+          <ac:chgData name="" userId="862ffa9f26af0723" providerId="LiveId" clId="{E24DE3D8-1C32-4BB5-B776-106EB7766880}" dt="2024-04-23T23:04:31.747" v="137" actId="478"/>
+          <ac:spMkLst>
+            <pc:docMk/>
+            <pc:sldMk cId="0" sldId="260"/>
+            <ac:spMk id="34" creationId="{00000000-0000-0000-0000-000000000000}"/>
+          </ac:spMkLst>
+        </pc:spChg>
+        <pc:spChg chg="del">
+          <ac:chgData name="" userId="862ffa9f26af0723" providerId="LiveId" clId="{E24DE3D8-1C32-4BB5-B776-106EB7766880}" dt="2024-04-23T23:04:38.324" v="141" actId="478"/>
+          <ac:spMkLst>
+            <pc:docMk/>
+            <pc:sldMk cId="0" sldId="260"/>
+            <ac:spMk id="35" creationId="{00000000-0000-0000-0000-000000000000}"/>
+          </ac:spMkLst>
+        </pc:spChg>
+        <pc:spChg chg="del">
+          <ac:chgData name="" userId="862ffa9f26af0723" providerId="LiveId" clId="{E24DE3D8-1C32-4BB5-B776-106EB7766880}" dt="2024-04-23T23:05:24.867" v="172" actId="478"/>
+          <ac:spMkLst>
+            <pc:docMk/>
+            <pc:sldMk cId="0" sldId="260"/>
+            <ac:spMk id="36" creationId="{00000000-0000-0000-0000-000000000000}"/>
+          </ac:spMkLst>
+        </pc:spChg>
+        <pc:picChg chg="add del mod modCrop">
+          <ac:chgData name="" userId="862ffa9f26af0723" providerId="LiveId" clId="{E24DE3D8-1C32-4BB5-B776-106EB7766880}" dt="2024-04-23T23:09:49.684" v="184" actId="478"/>
+          <ac:picMkLst>
+            <pc:docMk/>
+            <pc:sldMk cId="0" sldId="260"/>
+            <ac:picMk id="37" creationId="{F7A53EE2-C3CD-429B-8360-108B44B0F7C9}"/>
+          </ac:picMkLst>
+        </pc:picChg>
+        <pc:picChg chg="add mod">
+          <ac:chgData name="" userId="862ffa9f26af0723" providerId="LiveId" clId="{E24DE3D8-1C32-4BB5-B776-106EB7766880}" dt="2024-04-23T23:13:10.598" v="193" actId="1440"/>
+          <ac:picMkLst>
+            <pc:docMk/>
+            <pc:sldMk cId="0" sldId="260"/>
+            <ac:picMk id="38" creationId="{C79FA9D4-8F8A-4F30-BB43-244BA7608C20}"/>
+          </ac:picMkLst>
+        </pc:picChg>
+      </pc:sldChg>
+      <pc:sldChg chg="ord">
+        <pc:chgData name="" userId="862ffa9f26af0723" providerId="LiveId" clId="{E24DE3D8-1C32-4BB5-B776-106EB7766880}" dt="2024-04-23T22:56:10.435" v="129"/>
+        <pc:sldMkLst>
+          <pc:docMk/>
+          <pc:sldMk cId="0" sldId="261"/>
+        </pc:sldMkLst>
+      </pc:sldChg>
       <pc:sldChg chg="addSp delSp modSp addCm delCm">
         <pc:chgData name="" userId="862ffa9f26af0723" providerId="LiveId" clId="{E24DE3D8-1C32-4BB5-B776-106EB7766880}" dt="2024-04-23T16:48:12.422" v="95" actId="1076"/>
         <pc:sldMkLst>
@@ -243,6 +521,35 @@
             <ac:spMk id="8" creationId="{FA89E174-F986-42F6-BFF8-80CE52F0E29C}"/>
           </ac:spMkLst>
         </pc:spChg>
+      </pc:sldChg>
+      <pc:sldChg chg="delSp add del">
+        <pc:chgData name="" userId="862ffa9f26af0723" providerId="LiveId" clId="{E24DE3D8-1C32-4BB5-B776-106EB7766880}" dt="2024-04-23T23:02:47.686" v="132" actId="2696"/>
+        <pc:sldMkLst>
+          <pc:docMk/>
+          <pc:sldMk cId="1058029693" sldId="271"/>
+        </pc:sldMkLst>
+        <pc:spChg chg="del">
+          <ac:chgData name="" userId="862ffa9f26af0723" providerId="LiveId" clId="{E24DE3D8-1C32-4BB5-B776-106EB7766880}" dt="2024-04-23T23:02:34.304" v="131" actId="478"/>
+          <ac:spMkLst>
+            <pc:docMk/>
+            <pc:sldMk cId="1058029693" sldId="271"/>
+            <ac:spMk id="2" creationId="{95A9B50D-DF7D-4616-A15F-F3AE2A729D44}"/>
+          </ac:spMkLst>
+        </pc:spChg>
+      </pc:sldChg>
+      <pc:sldChg chg="add del">
+        <pc:chgData name="" userId="862ffa9f26af0723" providerId="LiveId" clId="{E24DE3D8-1C32-4BB5-B776-106EB7766880}" dt="2024-04-23T23:04:12.930" v="134" actId="2696"/>
+        <pc:sldMkLst>
+          <pc:docMk/>
+          <pc:sldMk cId="1197022733" sldId="271"/>
+        </pc:sldMkLst>
+      </pc:sldChg>
+      <pc:sldChg chg="add">
+        <pc:chgData name="" userId="862ffa9f26af0723" providerId="LiveId" clId="{E24DE3D8-1C32-4BB5-B776-106EB7766880}" dt="2024-04-23T23:04:19.944" v="135"/>
+        <pc:sldMkLst>
+          <pc:docMk/>
+          <pc:sldMk cId="2850259157" sldId="271"/>
+        </pc:sldMkLst>
       </pc:sldChg>
     </pc:docChg>
   </pc:docChgLst>
@@ -2203,130 +2510,13 @@
       <p:sp>
         <p:nvSpPr>
           <p:cNvPr id="2" name="object 2"/>
-          <p:cNvSpPr txBox="1">
-            <a:spLocks noGrp="1"/>
-          </p:cNvSpPr>
-          <p:nvPr>
-            <p:ph type="title"/>
-          </p:nvPr>
-        </p:nvSpPr>
-        <p:spPr>
-          <a:xfrm>
-            <a:off x="1555369" y="308355"/>
-            <a:ext cx="8582660" cy="632460"/>
-          </a:xfrm>
-          <a:prstGeom prst="rect">
-            <a:avLst/>
-          </a:prstGeom>
-        </p:spPr>
-        <p:txBody>
-          <a:bodyPr vert="horz" wrap="square" lIns="0" tIns="16510" rIns="0" bIns="0" rtlCol="0">
-            <a:spAutoFit/>
-          </a:bodyPr>
-          <a:lstStyle/>
-          <a:p>
-            <a:pPr marL="12700">
-              <a:lnSpc>
-                <a:spcPct val="100000"/>
-              </a:lnSpc>
-              <a:spcBef>
-                <a:spcPts val="130"/>
-              </a:spcBef>
-            </a:pPr>
-            <a:r>
-              <a:rPr sz="3600" spc="-10" dirty="0">
-                <a:latin typeface="Bahnschrift"/>
-                <a:cs typeface="Bahnschrift"/>
-              </a:rPr>
-              <a:t>DIAGRAMA</a:t>
-            </a:r>
-            <a:r>
-              <a:rPr sz="3600" spc="-390" dirty="0">
-                <a:latin typeface="Bahnschrift"/>
-                <a:cs typeface="Bahnschrift"/>
-              </a:rPr>
-              <a:t> </a:t>
-            </a:r>
-            <a:r>
-              <a:rPr sz="3600" spc="15" dirty="0">
-                <a:latin typeface="Bahnschrift"/>
-                <a:cs typeface="Bahnschrift"/>
-              </a:rPr>
-              <a:t>DE</a:t>
-            </a:r>
-            <a:r>
-              <a:rPr sz="3600" spc="-360" dirty="0">
-                <a:latin typeface="Bahnschrift"/>
-                <a:cs typeface="Bahnschrift"/>
-              </a:rPr>
-              <a:t> </a:t>
-            </a:r>
-            <a:r>
-              <a:rPr sz="3600" spc="5" dirty="0">
-                <a:latin typeface="Bahnschrift"/>
-                <a:cs typeface="Bahnschrift"/>
-              </a:rPr>
-              <a:t>CASOS</a:t>
-            </a:r>
-            <a:r>
-              <a:rPr sz="3600" spc="-430" dirty="0">
-                <a:latin typeface="Bahnschrift"/>
-                <a:cs typeface="Bahnschrift"/>
-              </a:rPr>
-              <a:t> </a:t>
-            </a:r>
-            <a:r>
-              <a:rPr sz="3600" spc="15" dirty="0">
-                <a:latin typeface="Bahnschrift"/>
-                <a:cs typeface="Bahnschrift"/>
-              </a:rPr>
-              <a:t>DE</a:t>
-            </a:r>
-            <a:r>
-              <a:rPr sz="3600" spc="-370" dirty="0">
-                <a:latin typeface="Bahnschrift"/>
-                <a:cs typeface="Bahnschrift"/>
-              </a:rPr>
-              <a:t> </a:t>
-            </a:r>
-            <a:r>
-              <a:rPr sz="3600" spc="-5" dirty="0">
-                <a:latin typeface="Bahnschrift"/>
-                <a:cs typeface="Bahnschrift"/>
-              </a:rPr>
-              <a:t>USO</a:t>
-            </a:r>
-            <a:r>
-              <a:rPr sz="3600" spc="-380" dirty="0">
-                <a:latin typeface="Bahnschrift"/>
-                <a:cs typeface="Bahnschrift"/>
-              </a:rPr>
-              <a:t> </a:t>
-            </a:r>
-            <a:r>
-              <a:rPr spc="20" dirty="0">
-                <a:latin typeface="Bahnschrift"/>
-                <a:cs typeface="Bahnschrift"/>
-              </a:rPr>
-              <a:t>(USUARIO)</a:t>
-            </a:r>
-            <a:endParaRPr sz="3600">
-              <a:latin typeface="Bahnschrift"/>
-              <a:cs typeface="Bahnschrift"/>
-            </a:endParaRPr>
-          </a:p>
-        </p:txBody>
-      </p:sp>
-      <p:sp>
-        <p:nvSpPr>
-          <p:cNvPr id="3" name="object 3"/>
           <p:cNvSpPr/>
           <p:nvPr/>
         </p:nvSpPr>
         <p:spPr>
           <a:xfrm>
-            <a:off x="10477500" y="0"/>
-            <a:ext cx="1714500" cy="1533525"/>
+            <a:off x="1981200" y="5543613"/>
+            <a:ext cx="8215376" cy="1314386"/>
           </a:xfrm>
           <a:prstGeom prst="rect">
             <a:avLst/>
@@ -2346,36 +2536,124 @@
           </a:p>
         </p:txBody>
       </p:sp>
-      <p:pic>
-        <p:nvPicPr>
-          <p:cNvPr id="4" name="Imagen 3">
-            <a:extLst>
-              <a:ext uri="{FF2B5EF4-FFF2-40B4-BE49-F238E27FC236}">
-                <a16:creationId xmlns:a16="http://schemas.microsoft.com/office/drawing/2014/main" id="{A375BAD1-F852-492F-AD7A-B30A1DCC0B75}"/>
-              </a:ext>
-            </a:extLst>
-          </p:cNvPr>
-          <p:cNvPicPr>
-            <a:picLocks noChangeAspect="1"/>
-          </p:cNvPicPr>
+      <p:sp>
+        <p:nvSpPr>
+          <p:cNvPr id="3" name="object 3"/>
+          <p:cNvSpPr/>
           <p:nvPr/>
-        </p:nvPicPr>
-        <p:blipFill>
-          <a:blip r:embed="rId3"/>
-          <a:stretch>
-            <a:fillRect/>
-          </a:stretch>
-        </p:blipFill>
-        <p:spPr>
-          <a:xfrm>
-            <a:off x="2556968" y="940815"/>
-            <a:ext cx="7078063" cy="5715798"/>
+        </p:nvSpPr>
+        <p:spPr>
+          <a:xfrm>
+            <a:off x="2009775" y="1295400"/>
+            <a:ext cx="8162925" cy="4267200"/>
           </a:xfrm>
           <a:prstGeom prst="rect">
             <a:avLst/>
           </a:prstGeom>
-        </p:spPr>
-      </p:pic>
+          <a:blipFill>
+            <a:blip r:embed="rId3" cstate="print"/>
+            <a:stretch>
+              <a:fillRect/>
+            </a:stretch>
+          </a:blipFill>
+        </p:spPr>
+        <p:txBody>
+          <a:bodyPr wrap="square" lIns="0" tIns="0" rIns="0" bIns="0" rtlCol="0"/>
+          <a:lstStyle/>
+          <a:p>
+            <a:endParaRPr/>
+          </a:p>
+        </p:txBody>
+      </p:sp>
+      <p:sp>
+        <p:nvSpPr>
+          <p:cNvPr id="4" name="object 4"/>
+          <p:cNvSpPr txBox="1">
+            <a:spLocks noGrp="1"/>
+          </p:cNvSpPr>
+          <p:nvPr>
+            <p:ph type="title"/>
+          </p:nvPr>
+        </p:nvSpPr>
+        <p:spPr>
+          <a:xfrm>
+            <a:off x="4679569" y="314960"/>
+            <a:ext cx="2751455" cy="575310"/>
+          </a:xfrm>
+          <a:prstGeom prst="rect">
+            <a:avLst/>
+          </a:prstGeom>
+        </p:spPr>
+        <p:txBody>
+          <a:bodyPr vert="horz" wrap="square" lIns="0" tIns="13335" rIns="0" bIns="0" rtlCol="0">
+            <a:spAutoFit/>
+          </a:bodyPr>
+          <a:lstStyle/>
+          <a:p>
+            <a:pPr marL="12700">
+              <a:lnSpc>
+                <a:spcPct val="100000"/>
+              </a:lnSpc>
+              <a:spcBef>
+                <a:spcPts val="105"/>
+              </a:spcBef>
+            </a:pPr>
+            <a:r>
+              <a:rPr sz="3600" b="0" dirty="0">
+                <a:latin typeface="Calibri"/>
+                <a:cs typeface="Calibri"/>
+              </a:rPr>
+              <a:t>N</a:t>
+            </a:r>
+            <a:r>
+              <a:rPr sz="3600" b="0" spc="-35" dirty="0">
+                <a:latin typeface="Calibri"/>
+                <a:cs typeface="Calibri"/>
+              </a:rPr>
+              <a:t>E</a:t>
+            </a:r>
+            <a:r>
+              <a:rPr sz="3600" b="0" spc="-30" dirty="0">
+                <a:latin typeface="Calibri"/>
+                <a:cs typeface="Calibri"/>
+              </a:rPr>
+              <a:t>T</a:t>
+            </a:r>
+            <a:r>
+              <a:rPr sz="3600" b="0" dirty="0">
+                <a:latin typeface="Calibri"/>
+                <a:cs typeface="Calibri"/>
+              </a:rPr>
+              <a:t>N</a:t>
+            </a:r>
+            <a:r>
+              <a:rPr sz="3600" b="0" spc="10" dirty="0">
+                <a:latin typeface="Calibri"/>
+                <a:cs typeface="Calibri"/>
+              </a:rPr>
+              <a:t>O</a:t>
+            </a:r>
+            <a:r>
+              <a:rPr sz="3600" b="0" spc="-25" dirty="0">
+                <a:latin typeface="Calibri"/>
+                <a:cs typeface="Calibri"/>
+              </a:rPr>
+              <a:t>G</a:t>
+            </a:r>
+            <a:r>
+              <a:rPr sz="3600" b="0" dirty="0">
+                <a:latin typeface="Calibri"/>
+                <a:cs typeface="Calibri"/>
+              </a:rPr>
+              <a:t>RAFIA</a:t>
+            </a:r>
+            <a:endParaRPr sz="3600">
+              <a:latin typeface="Calibri"/>
+              <a:cs typeface="Calibri"/>
+            </a:endParaRPr>
+          </a:p>
+        </p:txBody>
+      </p:sp>
     </p:spTree>
   </p:cSld>
   <p:clrMapOvr>
@@ -2413,15 +2691,15 @@
         </p:nvSpPr>
         <p:spPr>
           <a:xfrm>
-            <a:off x="464502" y="299085"/>
-            <a:ext cx="10427335" cy="575310"/>
+            <a:off x="1555369" y="308355"/>
+            <a:ext cx="8582660" cy="632460"/>
           </a:xfrm>
           <a:prstGeom prst="rect">
             <a:avLst/>
           </a:prstGeom>
         </p:spPr>
         <p:txBody>
-          <a:bodyPr vert="horz" wrap="square" lIns="0" tIns="13335" rIns="0" bIns="0" rtlCol="0">
+          <a:bodyPr vert="horz" wrap="square" lIns="0" tIns="16510" rIns="0" bIns="0" rtlCol="0">
             <a:spAutoFit/>
           </a:bodyPr>
           <a:lstStyle/>
@@ -2431,50 +2709,85 @@
                 <a:spcPct val="100000"/>
               </a:lnSpc>
               <a:spcBef>
-                <a:spcPts val="105"/>
+                <a:spcPts val="130"/>
               </a:spcBef>
             </a:pPr>
             <a:r>
-              <a:rPr sz="3600" spc="-15" dirty="0">
-                <a:latin typeface="Calibri"/>
-                <a:cs typeface="Calibri"/>
-              </a:rPr>
-              <a:t>DIAGRAMA </a:t>
-            </a:r>
-            <a:r>
               <a:rPr sz="3600" spc="-10" dirty="0">
-                <a:latin typeface="Calibri"/>
-                <a:cs typeface="Calibri"/>
-              </a:rPr>
-              <a:t>DE CASOS </a:t>
-            </a:r>
-            <a:r>
-              <a:rPr sz="3600" spc="-5" dirty="0">
-                <a:latin typeface="Calibri"/>
-                <a:cs typeface="Calibri"/>
-              </a:rPr>
-              <a:t>DE USO </a:t>
+                <a:latin typeface="Bahnschrift"/>
+                <a:cs typeface="Bahnschrift"/>
+              </a:rPr>
+              <a:t>DIAGRAMA</a:t>
+            </a:r>
+            <a:r>
+              <a:rPr sz="3600" spc="-390" dirty="0">
+                <a:latin typeface="Bahnschrift"/>
+                <a:cs typeface="Bahnschrift"/>
+              </a:rPr>
+              <a:t> </a:t>
+            </a:r>
+            <a:r>
+              <a:rPr sz="3600" spc="15" dirty="0">
+                <a:latin typeface="Bahnschrift"/>
+                <a:cs typeface="Bahnschrift"/>
+              </a:rPr>
+              <a:t>DE</a:t>
+            </a:r>
+            <a:r>
+              <a:rPr sz="3600" spc="-360" dirty="0">
+                <a:latin typeface="Bahnschrift"/>
+                <a:cs typeface="Bahnschrift"/>
+              </a:rPr>
+              <a:t> </a:t>
+            </a:r>
+            <a:r>
+              <a:rPr sz="3600" spc="5" dirty="0">
+                <a:latin typeface="Bahnschrift"/>
+                <a:cs typeface="Bahnschrift"/>
+              </a:rPr>
+              <a:t>CASOS</a:t>
+            </a:r>
+            <a:r>
+              <a:rPr sz="3600" spc="-430" dirty="0">
+                <a:latin typeface="Bahnschrift"/>
+                <a:cs typeface="Bahnschrift"/>
+              </a:rPr>
+              <a:t> </a:t>
+            </a:r>
+            <a:r>
+              <a:rPr sz="3600" spc="15" dirty="0">
+                <a:latin typeface="Bahnschrift"/>
+                <a:cs typeface="Bahnschrift"/>
+              </a:rPr>
+              <a:t>DE</a:t>
+            </a:r>
+            <a:r>
+              <a:rPr sz="3600" spc="-370" dirty="0">
+                <a:latin typeface="Bahnschrift"/>
+                <a:cs typeface="Bahnschrift"/>
+              </a:rPr>
+              <a:t> </a:t>
             </a:r>
             <a:r>
               <a:rPr sz="3600" spc="-5" dirty="0">
                 <a:latin typeface="Bahnschrift"/>
                 <a:cs typeface="Bahnschrift"/>
               </a:rPr>
-              <a:t>(VISTA</a:t>
-            </a:r>
-            <a:r>
-              <a:rPr sz="3600" spc="-150" dirty="0">
+              <a:t>USO</a:t>
+            </a:r>
+            <a:r>
+              <a:rPr sz="3600" spc="-380" dirty="0">
                 <a:latin typeface="Bahnschrift"/>
                 <a:cs typeface="Bahnschrift"/>
               </a:rPr>
               <a:t> </a:t>
             </a:r>
             <a:r>
-              <a:rPr sz="3600" spc="5" dirty="0">
+              <a:rPr spc="20" dirty="0">
                 <a:latin typeface="Bahnschrift"/>
                 <a:cs typeface="Bahnschrift"/>
               </a:rPr>
-              <a:t>PROFESIONAL)</a:t>
+              <a:t>(USUARIO)</a:t>
             </a:r>
             <a:endParaRPr sz="3600">
               <a:latin typeface="Bahnschrift"/>
@@ -2491,8 +2804,8 @@
         </p:nvSpPr>
         <p:spPr>
           <a:xfrm>
-            <a:off x="2095500" y="952500"/>
-            <a:ext cx="8001000" cy="5676900"/>
+            <a:off x="10477500" y="0"/>
+            <a:ext cx="1714500" cy="1533525"/>
           </a:xfrm>
           <a:prstGeom prst="rect">
             <a:avLst/>
@@ -2512,35 +2825,36 @@
           </a:p>
         </p:txBody>
       </p:sp>
-      <p:sp>
-        <p:nvSpPr>
-          <p:cNvPr id="4" name="object 4"/>
-          <p:cNvSpPr/>
+      <p:pic>
+        <p:nvPicPr>
+          <p:cNvPr id="4" name="Imagen 3">
+            <a:extLst>
+              <a:ext uri="{FF2B5EF4-FFF2-40B4-BE49-F238E27FC236}">
+                <a16:creationId xmlns:a16="http://schemas.microsoft.com/office/drawing/2014/main" id="{A375BAD1-F852-492F-AD7A-B30A1DCC0B75}"/>
+              </a:ext>
+            </a:extLst>
+          </p:cNvPr>
+          <p:cNvPicPr>
+            <a:picLocks noChangeAspect="1"/>
+          </p:cNvPicPr>
           <p:nvPr/>
-        </p:nvSpPr>
-        <p:spPr>
-          <a:xfrm>
-            <a:off x="10477500" y="0"/>
-            <a:ext cx="1714500" cy="1533525"/>
+        </p:nvPicPr>
+        <p:blipFill>
+          <a:blip r:embed="rId3"/>
+          <a:stretch>
+            <a:fillRect/>
+          </a:stretch>
+        </p:blipFill>
+        <p:spPr>
+          <a:xfrm>
+            <a:off x="2556968" y="940815"/>
+            <a:ext cx="7078063" cy="5715798"/>
           </a:xfrm>
           <a:prstGeom prst="rect">
             <a:avLst/>
           </a:prstGeom>
-          <a:blipFill>
-            <a:blip r:embed="rId3" cstate="print"/>
-            <a:stretch>
-              <a:fillRect/>
-            </a:stretch>
-          </a:blipFill>
-        </p:spPr>
-        <p:txBody>
-          <a:bodyPr wrap="square" lIns="0" tIns="0" rIns="0" bIns="0" rtlCol="0"/>
-          <a:lstStyle/>
-          <a:p>
-            <a:endParaRPr/>
-          </a:p>
-        </p:txBody>
-      </p:sp>
+        </p:spPr>
+      </p:pic>
     </p:spTree>
   </p:cSld>
   <p:clrMapOvr>
@@ -2569,13 +2883,95 @@
       <p:sp>
         <p:nvSpPr>
           <p:cNvPr id="2" name="object 2"/>
+          <p:cNvSpPr txBox="1">
+            <a:spLocks noGrp="1"/>
+          </p:cNvSpPr>
+          <p:nvPr>
+            <p:ph type="title"/>
+          </p:nvPr>
+        </p:nvSpPr>
+        <p:spPr>
+          <a:xfrm>
+            <a:off x="464502" y="299085"/>
+            <a:ext cx="10427335" cy="575310"/>
+          </a:xfrm>
+          <a:prstGeom prst="rect">
+            <a:avLst/>
+          </a:prstGeom>
+        </p:spPr>
+        <p:txBody>
+          <a:bodyPr vert="horz" wrap="square" lIns="0" tIns="13335" rIns="0" bIns="0" rtlCol="0">
+            <a:spAutoFit/>
+          </a:bodyPr>
+          <a:lstStyle/>
+          <a:p>
+            <a:pPr marL="12700">
+              <a:lnSpc>
+                <a:spcPct val="100000"/>
+              </a:lnSpc>
+              <a:spcBef>
+                <a:spcPts val="105"/>
+              </a:spcBef>
+            </a:pPr>
+            <a:r>
+              <a:rPr sz="3600" spc="-15" dirty="0">
+                <a:latin typeface="Calibri"/>
+                <a:cs typeface="Calibri"/>
+              </a:rPr>
+              <a:t>DIAGRAMA </a:t>
+            </a:r>
+            <a:r>
+              <a:rPr sz="3600" spc="-10" dirty="0">
+                <a:latin typeface="Calibri"/>
+                <a:cs typeface="Calibri"/>
+              </a:rPr>
+              <a:t>DE CASOS </a:t>
+            </a:r>
+            <a:r>
+              <a:rPr sz="3600" spc="-5" dirty="0">
+                <a:latin typeface="Calibri"/>
+                <a:cs typeface="Calibri"/>
+              </a:rPr>
+              <a:t>DE USO </a:t>
+            </a:r>
+            <a:r>
+              <a:rPr sz="3600" spc="-5" dirty="0">
+                <a:latin typeface="Bahnschrift"/>
+                <a:cs typeface="Bahnschrift"/>
+              </a:rPr>
+              <a:t>(VISTA</a:t>
+            </a:r>
+            <a:r>
+              <a:rPr sz="3600" spc="-150" dirty="0">
+                <a:latin typeface="Bahnschrift"/>
+                <a:cs typeface="Bahnschrift"/>
+              </a:rPr>
+              <a:t> </a:t>
+            </a:r>
+            <a:r>
+              <a:rPr sz="3600" spc="5" dirty="0">
+                <a:latin typeface="Bahnschrift"/>
+                <a:cs typeface="Bahnschrift"/>
+              </a:rPr>
+              <a:t>PROFESIONAL)</a:t>
+            </a:r>
+            <a:endParaRPr sz="3600">
+              <a:latin typeface="Bahnschrift"/>
+              <a:cs typeface="Bahnschrift"/>
+            </a:endParaRPr>
+          </a:p>
+        </p:txBody>
+      </p:sp>
+      <p:sp>
+        <p:nvSpPr>
+          <p:cNvPr id="3" name="object 3"/>
           <p:cNvSpPr/>
           <p:nvPr/>
         </p:nvSpPr>
         <p:spPr>
           <a:xfrm>
-            <a:off x="10477500" y="0"/>
-            <a:ext cx="1714500" cy="1533525"/>
+            <a:off x="2095500" y="952500"/>
+            <a:ext cx="8001000" cy="5676900"/>
           </a:xfrm>
           <a:prstGeom prst="rect">
             <a:avLst/>
@@ -2597,75 +2993,14 @@
       </p:sp>
       <p:sp>
         <p:nvSpPr>
-          <p:cNvPr id="3" name="object 3"/>
-          <p:cNvSpPr txBox="1">
-            <a:spLocks noGrp="1"/>
-          </p:cNvSpPr>
-          <p:nvPr>
-            <p:ph type="title"/>
-          </p:nvPr>
-        </p:nvSpPr>
-        <p:spPr>
-          <a:xfrm>
-            <a:off x="2899155" y="331469"/>
-            <a:ext cx="3484879" cy="518159"/>
-          </a:xfrm>
-          <a:prstGeom prst="rect">
-            <a:avLst/>
-          </a:prstGeom>
-        </p:spPr>
-        <p:txBody>
-          <a:bodyPr vert="horz" wrap="square" lIns="0" tIns="16510" rIns="0" bIns="0" rtlCol="0">
-            <a:spAutoFit/>
-          </a:bodyPr>
-          <a:lstStyle/>
-          <a:p>
-            <a:pPr marL="12700">
-              <a:lnSpc>
-                <a:spcPct val="100000"/>
-              </a:lnSpc>
-              <a:spcBef>
-                <a:spcPts val="130"/>
-              </a:spcBef>
-            </a:pPr>
-            <a:r>
-              <a:rPr sz="3200" spc="5" dirty="0">
-                <a:latin typeface="Calibri"/>
-                <a:cs typeface="Calibri"/>
-              </a:rPr>
-              <a:t>CASO DE USO</a:t>
-            </a:r>
-            <a:r>
-              <a:rPr sz="3200" spc="-165" dirty="0">
-                <a:latin typeface="Calibri"/>
-                <a:cs typeface="Calibri"/>
-              </a:rPr>
-              <a:t> </a:t>
-            </a:r>
-            <a:r>
-              <a:rPr sz="3200" dirty="0">
-                <a:latin typeface="Calibri"/>
-                <a:cs typeface="Calibri"/>
-              </a:rPr>
-              <a:t>(MVP)</a:t>
-            </a:r>
-            <a:endParaRPr sz="3200">
-              <a:latin typeface="Calibri"/>
-              <a:cs typeface="Calibri"/>
-            </a:endParaRPr>
-          </a:p>
-        </p:txBody>
-      </p:sp>
-      <p:sp>
-        <p:nvSpPr>
           <p:cNvPr id="4" name="object 4"/>
           <p:cNvSpPr/>
           <p:nvPr/>
         </p:nvSpPr>
         <p:spPr>
           <a:xfrm>
-            <a:off x="1514475" y="1295400"/>
-            <a:ext cx="9172575" cy="4257675"/>
+            <a:off x="10477500" y="0"/>
+            <a:ext cx="1714500" cy="1533525"/>
           </a:xfrm>
           <a:prstGeom prst="rect">
             <a:avLst/>
@@ -2713,6 +3048,35 @@
       <p:sp>
         <p:nvSpPr>
           <p:cNvPr id="2" name="object 2"/>
+          <p:cNvSpPr/>
+          <p:nvPr/>
+        </p:nvSpPr>
+        <p:spPr>
+          <a:xfrm>
+            <a:off x="10477500" y="0"/>
+            <a:ext cx="1714500" cy="1533525"/>
+          </a:xfrm>
+          <a:prstGeom prst="rect">
+            <a:avLst/>
+          </a:prstGeom>
+          <a:blipFill>
+            <a:blip r:embed="rId2" cstate="print"/>
+            <a:stretch>
+              <a:fillRect/>
+            </a:stretch>
+          </a:blipFill>
+        </p:spPr>
+        <p:txBody>
+          <a:bodyPr wrap="square" lIns="0" tIns="0" rIns="0" bIns="0" rtlCol="0"/>
+          <a:lstStyle/>
+          <a:p>
+            <a:endParaRPr/>
+          </a:p>
+        </p:txBody>
+      </p:sp>
+      <p:sp>
+        <p:nvSpPr>
+          <p:cNvPr id="3" name="object 3"/>
           <p:cNvSpPr txBox="1">
             <a:spLocks noGrp="1"/>
           </p:cNvSpPr>
@@ -2722,8 +3086,8 @@
         </p:nvSpPr>
         <p:spPr>
           <a:xfrm>
-            <a:off x="2095245" y="311213"/>
-            <a:ext cx="8220709" cy="701040"/>
+            <a:off x="2899155" y="331469"/>
+            <a:ext cx="3484879" cy="518159"/>
           </a:xfrm>
           <a:prstGeom prst="rect">
             <a:avLst/>
@@ -2744,34 +3108,27 @@
               </a:spcBef>
             </a:pPr>
             <a:r>
-              <a:rPr sz="4400" spc="15" dirty="0">
-                <a:latin typeface="Calibri"/>
-                <a:cs typeface="Calibri"/>
-              </a:rPr>
-              <a:t>DIAGRAMA </a:t>
-            </a:r>
-            <a:r>
-              <a:rPr sz="4400" spc="10" dirty="0">
-                <a:latin typeface="Calibri"/>
-                <a:cs typeface="Calibri"/>
-              </a:rPr>
-              <a:t>DE</a:t>
-            </a:r>
-            <a:r>
-              <a:rPr sz="4400" spc="-320" dirty="0">
+              <a:rPr sz="3200" spc="5" dirty="0">
+                <a:latin typeface="Calibri"/>
+                <a:cs typeface="Calibri"/>
+              </a:rPr>
+              <a:t>CASO DE USO</a:t>
+            </a:r>
+            <a:r>
+              <a:rPr sz="3200" spc="-165" dirty="0">
                 <a:latin typeface="Calibri"/>
                 <a:cs typeface="Calibri"/>
               </a:rPr>
               <a:t> </a:t>
             </a:r>
             <a:r>
-              <a:rPr sz="4400" spc="5" dirty="0">
-                <a:latin typeface="Calibri"/>
-                <a:cs typeface="Calibri"/>
-              </a:rPr>
-              <a:t>ENTIDAD-RELACION</a:t>
-            </a:r>
-            <a:endParaRPr sz="4400">
+              <a:rPr sz="3200" dirty="0">
+                <a:latin typeface="Calibri"/>
+                <a:cs typeface="Calibri"/>
+              </a:rPr>
+              <a:t>(MVP)</a:t>
+            </a:r>
+            <a:endParaRPr sz="3200">
               <a:latin typeface="Calibri"/>
               <a:cs typeface="Calibri"/>
             </a:endParaRPr>
@@ -2780,43 +3137,14 @@
       </p:sp>
       <p:sp>
         <p:nvSpPr>
-          <p:cNvPr id="3" name="object 3"/>
-          <p:cNvSpPr/>
-          <p:nvPr/>
-        </p:nvSpPr>
-        <p:spPr>
-          <a:xfrm>
-            <a:off x="1647825" y="1390650"/>
-            <a:ext cx="8763000" cy="4352925"/>
-          </a:xfrm>
-          <a:prstGeom prst="rect">
-            <a:avLst/>
-          </a:prstGeom>
-          <a:blipFill>
-            <a:blip r:embed="rId2" cstate="print"/>
-            <a:stretch>
-              <a:fillRect/>
-            </a:stretch>
-          </a:blipFill>
-        </p:spPr>
-        <p:txBody>
-          <a:bodyPr wrap="square" lIns="0" tIns="0" rIns="0" bIns="0" rtlCol="0"/>
-          <a:lstStyle/>
-          <a:p>
-            <a:endParaRPr/>
-          </a:p>
-        </p:txBody>
-      </p:sp>
-      <p:sp>
-        <p:nvSpPr>
           <p:cNvPr id="4" name="object 4"/>
           <p:cNvSpPr/>
           <p:nvPr/>
         </p:nvSpPr>
         <p:spPr>
           <a:xfrm>
-            <a:off x="10477500" y="0"/>
-            <a:ext cx="1714500" cy="1533525"/>
+            <a:off x="1514475" y="1295400"/>
+            <a:ext cx="9172575" cy="4257675"/>
           </a:xfrm>
           <a:prstGeom prst="rect">
             <a:avLst/>
@@ -2873,8 +3201,8 @@
         </p:nvSpPr>
         <p:spPr>
           <a:xfrm>
-            <a:off x="2440304" y="607631"/>
-            <a:ext cx="6062980" cy="701040"/>
+            <a:off x="2095245" y="311213"/>
+            <a:ext cx="8220709" cy="701040"/>
           </a:xfrm>
           <a:prstGeom prst="rect">
             <a:avLst/>
@@ -2895,29 +3223,36 @@
               </a:spcBef>
             </a:pPr>
             <a:r>
-              <a:rPr sz="4400" b="0" spc="20" dirty="0">
-                <a:latin typeface="Calibri Light"/>
-                <a:cs typeface="Calibri Light"/>
-              </a:rPr>
-              <a:t>Modelado</a:t>
-            </a:r>
-            <a:r>
-              <a:rPr sz="4400" b="0" spc="-225" dirty="0">
-                <a:latin typeface="Calibri Light"/>
-                <a:cs typeface="Calibri Light"/>
+              <a:rPr sz="4400" spc="15" dirty="0">
+                <a:latin typeface="Calibri"/>
+                <a:cs typeface="Calibri"/>
+              </a:rPr>
+              <a:t>DIAGRAMA </a:t>
+            </a:r>
+            <a:r>
+              <a:rPr sz="4400" spc="10" dirty="0">
+                <a:latin typeface="Calibri"/>
+                <a:cs typeface="Calibri"/>
+              </a:rPr>
+              <a:t>DE</a:t>
+            </a:r>
+            <a:r>
+              <a:rPr sz="4400" spc="-320" dirty="0">
+                <a:latin typeface="Calibri"/>
+                <a:cs typeface="Calibri"/>
               </a:rPr>
               <a:t> </a:t>
             </a:r>
             <a:r>
-              <a:rPr sz="4400" b="0" spc="10" dirty="0">
-                <a:latin typeface="Calibri Light"/>
-                <a:cs typeface="Calibri Light"/>
-              </a:rPr>
-              <a:t>relacional(MVP)</a:t>
+              <a:rPr sz="4400" spc="5" dirty="0">
+                <a:latin typeface="Calibri"/>
+                <a:cs typeface="Calibri"/>
+              </a:rPr>
+              <a:t>ENTIDAD-RELACION</a:t>
             </a:r>
             <a:endParaRPr sz="4400">
-              <a:latin typeface="Calibri Light"/>
-              <a:cs typeface="Calibri Light"/>
+              <a:latin typeface="Calibri"/>
+              <a:cs typeface="Calibri"/>
             </a:endParaRPr>
           </a:p>
         </p:txBody>
@@ -2930,14 +3265,43 @@
         </p:nvSpPr>
         <p:spPr>
           <a:xfrm>
-            <a:off x="2095500" y="1857375"/>
-            <a:ext cx="7067550" cy="2790825"/>
+            <a:off x="1647825" y="1390650"/>
+            <a:ext cx="8763000" cy="4352925"/>
           </a:xfrm>
           <a:prstGeom prst="rect">
             <a:avLst/>
           </a:prstGeom>
           <a:blipFill>
             <a:blip r:embed="rId2" cstate="print"/>
+            <a:stretch>
+              <a:fillRect/>
+            </a:stretch>
+          </a:blipFill>
+        </p:spPr>
+        <p:txBody>
+          <a:bodyPr wrap="square" lIns="0" tIns="0" rIns="0" bIns="0" rtlCol="0"/>
+          <a:lstStyle/>
+          <a:p>
+            <a:endParaRPr/>
+          </a:p>
+        </p:txBody>
+      </p:sp>
+      <p:sp>
+        <p:nvSpPr>
+          <p:cNvPr id="4" name="object 4"/>
+          <p:cNvSpPr/>
+          <p:nvPr/>
+        </p:nvSpPr>
+        <p:spPr>
+          <a:xfrm>
+            <a:off x="10477500" y="0"/>
+            <a:ext cx="1714500" cy="1533525"/>
+          </a:xfrm>
+          <a:prstGeom prst="rect">
+            <a:avLst/>
+          </a:prstGeom>
+          <a:blipFill>
+            <a:blip r:embed="rId3" cstate="print"/>
             <a:stretch>
               <a:fillRect/>
             </a:stretch>
@@ -2960,6 +3324,121 @@
 </file>
 
 <file path=ppt/slides/slide15.xml><?xml version="1.0" encoding="utf-8"?>
+<p:sld xmlns:a="http://schemas.openxmlformats.org/drawingml/2006/main" xmlns:r="http://schemas.openxmlformats.org/officeDocument/2006/relationships" xmlns:p="http://schemas.openxmlformats.org/presentationml/2006/main">
+  <p:cSld>
+    <p:spTree>
+      <p:nvGrpSpPr>
+        <p:cNvPr id="1" name=""/>
+        <p:cNvGrpSpPr/>
+        <p:nvPr/>
+      </p:nvGrpSpPr>
+      <p:grpSpPr>
+        <a:xfrm>
+          <a:off x="0" y="0"/>
+          <a:ext cx="0" cy="0"/>
+          <a:chOff x="0" y="0"/>
+          <a:chExt cx="0" cy="0"/>
+        </a:xfrm>
+      </p:grpSpPr>
+      <p:sp>
+        <p:nvSpPr>
+          <p:cNvPr id="2" name="object 2"/>
+          <p:cNvSpPr txBox="1">
+            <a:spLocks noGrp="1"/>
+          </p:cNvSpPr>
+          <p:nvPr>
+            <p:ph type="title"/>
+          </p:nvPr>
+        </p:nvSpPr>
+        <p:spPr>
+          <a:xfrm>
+            <a:off x="2440304" y="607631"/>
+            <a:ext cx="6062980" cy="701040"/>
+          </a:xfrm>
+          <a:prstGeom prst="rect">
+            <a:avLst/>
+          </a:prstGeom>
+        </p:spPr>
+        <p:txBody>
+          <a:bodyPr vert="horz" wrap="square" lIns="0" tIns="16510" rIns="0" bIns="0" rtlCol="0">
+            <a:spAutoFit/>
+          </a:bodyPr>
+          <a:lstStyle/>
+          <a:p>
+            <a:pPr marL="12700">
+              <a:lnSpc>
+                <a:spcPct val="100000"/>
+              </a:lnSpc>
+              <a:spcBef>
+                <a:spcPts val="130"/>
+              </a:spcBef>
+            </a:pPr>
+            <a:r>
+              <a:rPr sz="4400" b="0" spc="20" dirty="0">
+                <a:latin typeface="Calibri Light"/>
+                <a:cs typeface="Calibri Light"/>
+              </a:rPr>
+              <a:t>Modelado</a:t>
+            </a:r>
+            <a:r>
+              <a:rPr sz="4400" b="0" spc="-225" dirty="0">
+                <a:latin typeface="Calibri Light"/>
+                <a:cs typeface="Calibri Light"/>
+              </a:rPr>
+              <a:t> </a:t>
+            </a:r>
+            <a:r>
+              <a:rPr sz="4400" b="0" spc="10" dirty="0">
+                <a:latin typeface="Calibri Light"/>
+                <a:cs typeface="Calibri Light"/>
+              </a:rPr>
+              <a:t>relacional(MVP)</a:t>
+            </a:r>
+            <a:endParaRPr sz="4400">
+              <a:latin typeface="Calibri Light"/>
+              <a:cs typeface="Calibri Light"/>
+            </a:endParaRPr>
+          </a:p>
+        </p:txBody>
+      </p:sp>
+      <p:sp>
+        <p:nvSpPr>
+          <p:cNvPr id="3" name="object 3"/>
+          <p:cNvSpPr/>
+          <p:nvPr/>
+        </p:nvSpPr>
+        <p:spPr>
+          <a:xfrm>
+            <a:off x="2095500" y="1857375"/>
+            <a:ext cx="7067550" cy="2790825"/>
+          </a:xfrm>
+          <a:prstGeom prst="rect">
+            <a:avLst/>
+          </a:prstGeom>
+          <a:blipFill>
+            <a:blip r:embed="rId2" cstate="print"/>
+            <a:stretch>
+              <a:fillRect/>
+            </a:stretch>
+          </a:blipFill>
+        </p:spPr>
+        <p:txBody>
+          <a:bodyPr wrap="square" lIns="0" tIns="0" rIns="0" bIns="0" rtlCol="0"/>
+          <a:lstStyle/>
+          <a:p>
+            <a:endParaRPr/>
+          </a:p>
+        </p:txBody>
+      </p:sp>
+    </p:spTree>
+  </p:cSld>
+  <p:clrMapOvr>
+    <a:masterClrMapping/>
+  </p:clrMapOvr>
+</p:sld>
+</file>
+
+<file path=ppt/slides/slide16.xml><?xml version="1.0" encoding="utf-8"?>
 <p:sld xmlns:a="http://schemas.openxmlformats.org/drawingml/2006/main" xmlns:r="http://schemas.openxmlformats.org/officeDocument/2006/relationships" xmlns:p="http://schemas.openxmlformats.org/presentationml/2006/main">
   <p:cSld>
     <p:spTree>
@@ -4671,7 +5150,7 @@
               </a:rPr>
               <a:t>Thinking</a:t>
             </a:r>
-            <a:endParaRPr sz="7200">
+            <a:endParaRPr sz="7200" dirty="0">
               <a:latin typeface="Calibri"/>
               <a:cs typeface="Calibri"/>
             </a:endParaRPr>
@@ -4680,600 +5159,14 @@
       </p:sp>
       <p:sp>
         <p:nvSpPr>
-          <p:cNvPr id="6" name="object 6"/>
-          <p:cNvSpPr txBox="1"/>
-          <p:nvPr/>
-        </p:nvSpPr>
-        <p:spPr>
-          <a:xfrm>
-            <a:off x="474027" y="2724149"/>
-            <a:ext cx="2929890" cy="758190"/>
-          </a:xfrm>
-          <a:prstGeom prst="rect">
-            <a:avLst/>
-          </a:prstGeom>
-        </p:spPr>
-        <p:txBody>
-          <a:bodyPr vert="horz" wrap="square" lIns="0" tIns="13335" rIns="0" bIns="0" rtlCol="0">
-            <a:spAutoFit/>
-          </a:bodyPr>
-          <a:lstStyle/>
-          <a:p>
-            <a:pPr marL="699135" indent="-686435">
-              <a:lnSpc>
-                <a:spcPct val="100000"/>
-              </a:lnSpc>
-              <a:spcBef>
-                <a:spcPts val="105"/>
-              </a:spcBef>
-              <a:buFont typeface="Arial"/>
-              <a:buChar char="•"/>
-              <a:tabLst>
-                <a:tab pos="698500" algn="l"/>
-                <a:tab pos="699135" algn="l"/>
-              </a:tabLst>
-            </a:pPr>
-            <a:r>
-              <a:rPr sz="4800" spc="-25" dirty="0">
-                <a:solidFill>
-                  <a:srgbClr val="ECEBE9"/>
-                </a:solidFill>
-                <a:latin typeface="Calibri"/>
-                <a:cs typeface="Calibri"/>
-              </a:rPr>
-              <a:t>E</a:t>
-            </a:r>
-            <a:r>
-              <a:rPr sz="4800" spc="20" dirty="0">
-                <a:solidFill>
-                  <a:srgbClr val="ECEBE9"/>
-                </a:solidFill>
-                <a:latin typeface="Calibri"/>
-                <a:cs typeface="Calibri"/>
-              </a:rPr>
-              <a:t>n</a:t>
-            </a:r>
-            <a:r>
-              <a:rPr sz="4800" dirty="0">
-                <a:solidFill>
-                  <a:srgbClr val="ECEBE9"/>
-                </a:solidFill>
-                <a:latin typeface="Calibri"/>
-                <a:cs typeface="Calibri"/>
-              </a:rPr>
-              <a:t>c</a:t>
-            </a:r>
-            <a:r>
-              <a:rPr sz="4800" spc="15" dirty="0">
-                <a:solidFill>
-                  <a:srgbClr val="ECEBE9"/>
-                </a:solidFill>
-                <a:latin typeface="Calibri"/>
-                <a:cs typeface="Calibri"/>
-              </a:rPr>
-              <a:t>u</a:t>
-            </a:r>
-            <a:r>
-              <a:rPr sz="4800" dirty="0">
-                <a:solidFill>
-                  <a:srgbClr val="ECEBE9"/>
-                </a:solidFill>
-                <a:latin typeface="Calibri"/>
-                <a:cs typeface="Calibri"/>
-              </a:rPr>
-              <a:t>e</a:t>
-            </a:r>
-            <a:r>
-              <a:rPr sz="4800" spc="-70" dirty="0">
-                <a:solidFill>
-                  <a:srgbClr val="ECEBE9"/>
-                </a:solidFill>
-                <a:latin typeface="Calibri"/>
-                <a:cs typeface="Calibri"/>
-              </a:rPr>
-              <a:t>s</a:t>
-            </a:r>
-            <a:r>
-              <a:rPr sz="4800" spc="-110" dirty="0">
-                <a:solidFill>
-                  <a:srgbClr val="ECEBE9"/>
-                </a:solidFill>
-                <a:latin typeface="Calibri"/>
-                <a:cs typeface="Calibri"/>
-              </a:rPr>
-              <a:t>t</a:t>
-            </a:r>
-            <a:r>
-              <a:rPr sz="4800" dirty="0">
-                <a:solidFill>
-                  <a:srgbClr val="ECEBE9"/>
-                </a:solidFill>
-                <a:latin typeface="Calibri"/>
-                <a:cs typeface="Calibri"/>
-              </a:rPr>
-              <a:t>a</a:t>
-            </a:r>
-            <a:endParaRPr sz="4800">
-              <a:latin typeface="Calibri"/>
-              <a:cs typeface="Calibri"/>
-            </a:endParaRPr>
-          </a:p>
-        </p:txBody>
-      </p:sp>
-      <p:sp>
-        <p:nvSpPr>
-          <p:cNvPr id="7" name="object 7"/>
-          <p:cNvSpPr txBox="1"/>
-          <p:nvPr/>
-        </p:nvSpPr>
-        <p:spPr>
-          <a:xfrm>
-            <a:off x="474027" y="4125912"/>
-            <a:ext cx="4961255" cy="2160270"/>
-          </a:xfrm>
-          <a:prstGeom prst="rect">
-            <a:avLst/>
-          </a:prstGeom>
-        </p:spPr>
-        <p:txBody>
-          <a:bodyPr vert="horz" wrap="square" lIns="0" tIns="13335" rIns="0" bIns="0" rtlCol="0">
-            <a:spAutoFit/>
-          </a:bodyPr>
-          <a:lstStyle/>
-          <a:p>
-            <a:pPr marL="699135" indent="-686435">
-              <a:lnSpc>
-                <a:spcPct val="100000"/>
-              </a:lnSpc>
-              <a:spcBef>
-                <a:spcPts val="105"/>
-              </a:spcBef>
-              <a:buFont typeface="Arial"/>
-              <a:buChar char="•"/>
-              <a:tabLst>
-                <a:tab pos="698500" algn="l"/>
-                <a:tab pos="699135" algn="l"/>
-              </a:tabLst>
-            </a:pPr>
-            <a:r>
-              <a:rPr sz="4800" spc="15" dirty="0">
-                <a:solidFill>
-                  <a:srgbClr val="ECEBE9"/>
-                </a:solidFill>
-                <a:latin typeface="Calibri"/>
-                <a:cs typeface="Calibri"/>
-              </a:rPr>
-              <a:t>Mapa </a:t>
-            </a:r>
-            <a:r>
-              <a:rPr sz="4800" spc="10" dirty="0">
-                <a:solidFill>
-                  <a:srgbClr val="ECEBE9"/>
-                </a:solidFill>
-                <a:latin typeface="Calibri"/>
-                <a:cs typeface="Calibri"/>
-              </a:rPr>
-              <a:t>de</a:t>
-            </a:r>
-            <a:r>
-              <a:rPr sz="4800" spc="-210" dirty="0">
-                <a:solidFill>
-                  <a:srgbClr val="ECEBE9"/>
-                </a:solidFill>
-                <a:latin typeface="Calibri"/>
-                <a:cs typeface="Calibri"/>
-              </a:rPr>
-              <a:t> </a:t>
-            </a:r>
-            <a:r>
-              <a:rPr sz="4800" spc="-30" dirty="0">
-                <a:solidFill>
-                  <a:srgbClr val="ECEBE9"/>
-                </a:solidFill>
-                <a:latin typeface="Calibri"/>
-                <a:cs typeface="Calibri"/>
-              </a:rPr>
-              <a:t>agentes</a:t>
-            </a:r>
-            <a:endParaRPr sz="4800">
-              <a:latin typeface="Calibri"/>
-              <a:cs typeface="Calibri"/>
-            </a:endParaRPr>
-          </a:p>
-          <a:p>
-            <a:pPr>
-              <a:lnSpc>
-                <a:spcPct val="100000"/>
-              </a:lnSpc>
-              <a:spcBef>
-                <a:spcPts val="30"/>
-              </a:spcBef>
-              <a:buClr>
-                <a:srgbClr val="ECEBE9"/>
-              </a:buClr>
-              <a:buFont typeface="Arial"/>
-              <a:buChar char="•"/>
-            </a:pPr>
-            <a:endParaRPr sz="4300">
-              <a:latin typeface="Calibri"/>
-              <a:cs typeface="Calibri"/>
-            </a:endParaRPr>
-          </a:p>
-          <a:p>
-            <a:pPr marL="699135" indent="-686435">
-              <a:lnSpc>
-                <a:spcPct val="100000"/>
-              </a:lnSpc>
-              <a:buFont typeface="Arial"/>
-              <a:buChar char="•"/>
-              <a:tabLst>
-                <a:tab pos="698500" algn="l"/>
-                <a:tab pos="699135" algn="l"/>
-              </a:tabLst>
-            </a:pPr>
-            <a:r>
-              <a:rPr sz="4800" spc="-15" dirty="0">
-                <a:solidFill>
-                  <a:srgbClr val="ECEBE9"/>
-                </a:solidFill>
-                <a:latin typeface="Calibri"/>
-                <a:cs typeface="Calibri"/>
-              </a:rPr>
-              <a:t>Prototipado</a:t>
-            </a:r>
-            <a:endParaRPr sz="4800">
-              <a:latin typeface="Calibri"/>
-              <a:cs typeface="Calibri"/>
-            </a:endParaRPr>
-          </a:p>
-        </p:txBody>
-      </p:sp>
-      <p:sp>
-        <p:nvSpPr>
-          <p:cNvPr id="8" name="object 8"/>
+          <p:cNvPr id="23" name="object 23"/>
           <p:cNvSpPr/>
           <p:nvPr/>
         </p:nvSpPr>
         <p:spPr>
           <a:xfrm>
-            <a:off x="3716080" y="3624313"/>
-            <a:ext cx="712470" cy="0"/>
-          </a:xfrm>
-          <a:custGeom>
-            <a:avLst/>
-            <a:gdLst/>
-            <a:ahLst/>
-            <a:cxnLst/>
-            <a:rect l="l" t="t" r="r" b="b"/>
-            <a:pathLst>
-              <a:path w="712470">
-                <a:moveTo>
-                  <a:pt x="0" y="0"/>
-                </a:moveTo>
-                <a:lnTo>
-                  <a:pt x="712182" y="0"/>
-                </a:lnTo>
-              </a:path>
-            </a:pathLst>
-          </a:custGeom>
-          <a:ln w="77818">
-            <a:solidFill>
-              <a:srgbClr val="000000"/>
-            </a:solidFill>
-          </a:ln>
-        </p:spPr>
-        <p:txBody>
-          <a:bodyPr wrap="square" lIns="0" tIns="0" rIns="0" bIns="0" rtlCol="0"/>
-          <a:lstStyle/>
-          <a:p>
-            <a:endParaRPr/>
-          </a:p>
-        </p:txBody>
-      </p:sp>
-      <p:sp>
-        <p:nvSpPr>
-          <p:cNvPr id="9" name="object 9"/>
-          <p:cNvSpPr/>
-          <p:nvPr/>
-        </p:nvSpPr>
-        <p:spPr>
-          <a:xfrm>
-            <a:off x="3750541" y="2710619"/>
-            <a:ext cx="0" cy="875030"/>
-          </a:xfrm>
-          <a:custGeom>
-            <a:avLst/>
-            <a:gdLst/>
-            <a:ahLst/>
-            <a:cxnLst/>
-            <a:rect l="l" t="t" r="r" b="b"/>
-            <a:pathLst>
-              <a:path h="875029">
-                <a:moveTo>
-                  <a:pt x="0" y="0"/>
-                </a:moveTo>
-                <a:lnTo>
-                  <a:pt x="0" y="874785"/>
-                </a:lnTo>
-              </a:path>
-            </a:pathLst>
-          </a:custGeom>
-          <a:ln w="68921">
-            <a:solidFill>
-              <a:srgbClr val="000000"/>
-            </a:solidFill>
-          </a:ln>
-        </p:spPr>
-        <p:txBody>
-          <a:bodyPr wrap="square" lIns="0" tIns="0" rIns="0" bIns="0" rtlCol="0"/>
-          <a:lstStyle/>
-          <a:p>
-            <a:endParaRPr/>
-          </a:p>
-        </p:txBody>
-      </p:sp>
-      <p:sp>
-        <p:nvSpPr>
-          <p:cNvPr id="10" name="object 10"/>
-          <p:cNvSpPr/>
-          <p:nvPr/>
-        </p:nvSpPr>
-        <p:spPr>
-          <a:xfrm>
-            <a:off x="3716080" y="2672380"/>
-            <a:ext cx="712470" cy="0"/>
-          </a:xfrm>
-          <a:custGeom>
-            <a:avLst/>
-            <a:gdLst/>
-            <a:ahLst/>
-            <a:cxnLst/>
-            <a:rect l="l" t="t" r="r" b="b"/>
-            <a:pathLst>
-              <a:path w="712470">
-                <a:moveTo>
-                  <a:pt x="0" y="0"/>
-                </a:moveTo>
-                <a:lnTo>
-                  <a:pt x="712182" y="0"/>
-                </a:lnTo>
-              </a:path>
-            </a:pathLst>
-          </a:custGeom>
-          <a:ln w="76476">
-            <a:solidFill>
-              <a:srgbClr val="000000"/>
-            </a:solidFill>
-          </a:ln>
-        </p:spPr>
-        <p:txBody>
-          <a:bodyPr wrap="square" lIns="0" tIns="0" rIns="0" bIns="0" rtlCol="0"/>
-          <a:lstStyle/>
-          <a:p>
-            <a:endParaRPr/>
-          </a:p>
-        </p:txBody>
-      </p:sp>
-      <p:sp>
-        <p:nvSpPr>
-          <p:cNvPr id="11" name="object 11"/>
-          <p:cNvSpPr/>
-          <p:nvPr/>
-        </p:nvSpPr>
-        <p:spPr>
-          <a:xfrm>
-            <a:off x="4393803" y="2710976"/>
-            <a:ext cx="0" cy="875030"/>
-          </a:xfrm>
-          <a:custGeom>
-            <a:avLst/>
-            <a:gdLst/>
-            <a:ahLst/>
-            <a:cxnLst/>
-            <a:rect l="l" t="t" r="r" b="b"/>
-            <a:pathLst>
-              <a:path h="875029">
-                <a:moveTo>
-                  <a:pt x="0" y="0"/>
-                </a:moveTo>
-                <a:lnTo>
-                  <a:pt x="0" y="874571"/>
-                </a:lnTo>
-              </a:path>
-            </a:pathLst>
-          </a:custGeom>
-          <a:ln w="68921">
-            <a:solidFill>
-              <a:srgbClr val="000000"/>
-            </a:solidFill>
-          </a:ln>
-        </p:spPr>
-        <p:txBody>
-          <a:bodyPr wrap="square" lIns="0" tIns="0" rIns="0" bIns="0" rtlCol="0"/>
-          <a:lstStyle/>
-          <a:p>
-            <a:endParaRPr/>
-          </a:p>
-        </p:txBody>
-      </p:sp>
-      <p:sp>
-        <p:nvSpPr>
-          <p:cNvPr id="12" name="object 12"/>
-          <p:cNvSpPr/>
-          <p:nvPr/>
-        </p:nvSpPr>
-        <p:spPr>
-          <a:xfrm>
-            <a:off x="4095145" y="2852451"/>
-            <a:ext cx="195580" cy="0"/>
-          </a:xfrm>
-          <a:custGeom>
-            <a:avLst/>
-            <a:gdLst/>
-            <a:ahLst/>
-            <a:cxnLst/>
-            <a:rect l="l" t="t" r="r" b="b"/>
-            <a:pathLst>
-              <a:path w="195579">
-                <a:moveTo>
-                  <a:pt x="0" y="0"/>
-                </a:moveTo>
-                <a:lnTo>
-                  <a:pt x="195275" y="0"/>
-                </a:lnTo>
-              </a:path>
-            </a:pathLst>
-          </a:custGeom>
-          <a:ln w="51445">
-            <a:solidFill>
-              <a:srgbClr val="000000"/>
-            </a:solidFill>
-          </a:ln>
-        </p:spPr>
-        <p:txBody>
-          <a:bodyPr wrap="square" lIns="0" tIns="0" rIns="0" bIns="0" rtlCol="0"/>
-          <a:lstStyle/>
-          <a:p>
-            <a:endParaRPr/>
-          </a:p>
-        </p:txBody>
-      </p:sp>
-      <p:sp>
-        <p:nvSpPr>
-          <p:cNvPr id="13" name="object 13"/>
-          <p:cNvSpPr/>
-          <p:nvPr/>
-        </p:nvSpPr>
-        <p:spPr>
-          <a:xfrm>
-            <a:off x="4095145" y="3058233"/>
-            <a:ext cx="195580" cy="0"/>
-          </a:xfrm>
-          <a:custGeom>
-            <a:avLst/>
-            <a:gdLst/>
-            <a:ahLst/>
-            <a:cxnLst/>
-            <a:rect l="l" t="t" r="r" b="b"/>
-            <a:pathLst>
-              <a:path w="195579">
-                <a:moveTo>
-                  <a:pt x="0" y="0"/>
-                </a:moveTo>
-                <a:lnTo>
-                  <a:pt x="195275" y="0"/>
-                </a:lnTo>
-              </a:path>
-            </a:pathLst>
-          </a:custGeom>
-          <a:ln w="51445">
-            <a:solidFill>
-              <a:srgbClr val="000000"/>
-            </a:solidFill>
-          </a:ln>
-        </p:spPr>
-        <p:txBody>
-          <a:bodyPr wrap="square" lIns="0" tIns="0" rIns="0" bIns="0" rtlCol="0"/>
-          <a:lstStyle/>
-          <a:p>
-            <a:endParaRPr/>
-          </a:p>
-        </p:txBody>
-      </p:sp>
-      <p:sp>
-        <p:nvSpPr>
-          <p:cNvPr id="14" name="object 14"/>
-          <p:cNvSpPr/>
-          <p:nvPr/>
-        </p:nvSpPr>
-        <p:spPr>
-          <a:xfrm>
-            <a:off x="4095145" y="3469795"/>
-            <a:ext cx="195580" cy="0"/>
-          </a:xfrm>
-          <a:custGeom>
-            <a:avLst/>
-            <a:gdLst/>
-            <a:ahLst/>
-            <a:cxnLst/>
-            <a:rect l="l" t="t" r="r" b="b"/>
-            <a:pathLst>
-              <a:path w="195579">
-                <a:moveTo>
-                  <a:pt x="0" y="0"/>
-                </a:moveTo>
-                <a:lnTo>
-                  <a:pt x="195275" y="0"/>
-                </a:lnTo>
-              </a:path>
-            </a:pathLst>
-          </a:custGeom>
-          <a:ln w="51445">
-            <a:solidFill>
-              <a:srgbClr val="000000"/>
-            </a:solidFill>
-          </a:ln>
-        </p:spPr>
-        <p:txBody>
-          <a:bodyPr wrap="square" lIns="0" tIns="0" rIns="0" bIns="0" rtlCol="0"/>
-          <a:lstStyle/>
-          <a:p>
-            <a:endParaRPr/>
-          </a:p>
-        </p:txBody>
-      </p:sp>
-      <p:sp>
-        <p:nvSpPr>
-          <p:cNvPr id="15" name="object 15"/>
-          <p:cNvSpPr/>
-          <p:nvPr/>
-        </p:nvSpPr>
-        <p:spPr>
-          <a:xfrm>
-            <a:off x="4095145" y="3264014"/>
-            <a:ext cx="195580" cy="0"/>
-          </a:xfrm>
-          <a:custGeom>
-            <a:avLst/>
-            <a:gdLst/>
-            <a:ahLst/>
-            <a:cxnLst/>
-            <a:rect l="l" t="t" r="r" b="b"/>
-            <a:pathLst>
-              <a:path w="195579">
-                <a:moveTo>
-                  <a:pt x="0" y="0"/>
-                </a:moveTo>
-                <a:lnTo>
-                  <a:pt x="195275" y="0"/>
-                </a:lnTo>
-              </a:path>
-            </a:pathLst>
-          </a:custGeom>
-          <a:ln w="51445">
-            <a:solidFill>
-              <a:srgbClr val="000000"/>
-            </a:solidFill>
-          </a:ln>
-        </p:spPr>
-        <p:txBody>
-          <a:bodyPr wrap="square" lIns="0" tIns="0" rIns="0" bIns="0" rtlCol="0"/>
-          <a:lstStyle/>
-          <a:p>
-            <a:endParaRPr/>
-          </a:p>
-        </p:txBody>
-      </p:sp>
-      <p:sp>
-        <p:nvSpPr>
-          <p:cNvPr id="16" name="object 16"/>
-          <p:cNvSpPr/>
-          <p:nvPr/>
-        </p:nvSpPr>
-        <p:spPr>
-          <a:xfrm>
-            <a:off x="3853922" y="2762422"/>
-            <a:ext cx="170004" cy="156908"/>
+            <a:off x="10629900" y="19050"/>
+            <a:ext cx="1562100" cy="1666875"/>
           </a:xfrm>
           <a:prstGeom prst="rect">
             <a:avLst/>
@@ -5293,1368 +5186,52 @@
           </a:p>
         </p:txBody>
       </p:sp>
-      <p:sp>
-        <p:nvSpPr>
-          <p:cNvPr id="17" name="object 17"/>
-          <p:cNvSpPr/>
+      <p:pic>
+        <p:nvPicPr>
+          <p:cNvPr id="38" name="Imagen 37">
+            <a:extLst>
+              <a:ext uri="{FF2B5EF4-FFF2-40B4-BE49-F238E27FC236}">
+                <a16:creationId xmlns:a16="http://schemas.microsoft.com/office/drawing/2014/main" id="{C79FA9D4-8F8A-4F30-BB43-244BA7608C20}"/>
+              </a:ext>
+            </a:extLst>
+          </p:cNvPr>
+          <p:cNvPicPr>
+            <a:picLocks noChangeAspect="1"/>
+          </p:cNvPicPr>
           <p:nvPr/>
-        </p:nvSpPr>
-        <p:spPr>
-          <a:xfrm>
-            <a:off x="3853922" y="3173985"/>
-            <a:ext cx="170004" cy="156908"/>
-          </a:xfrm>
-          <a:prstGeom prst="rect">
-            <a:avLst/>
+        </p:nvPicPr>
+        <p:blipFill>
+          <a:blip r:embed="rId4"/>
+          <a:stretch>
+            <a:fillRect/>
+          </a:stretch>
+        </p:blipFill>
+        <p:spPr>
+          <a:xfrm>
+            <a:off x="1940152" y="2286000"/>
+            <a:ext cx="8307249" cy="3606507"/>
+          </a:xfrm>
+          <a:prstGeom prst="round2DiagRect">
+            <a:avLst>
+              <a:gd name="adj1" fmla="val 16667"/>
+              <a:gd name="adj2" fmla="val 0"/>
+            </a:avLst>
           </a:prstGeom>
-          <a:blipFill>
-            <a:blip r:embed="rId3" cstate="print"/>
-            <a:stretch>
-              <a:fillRect/>
-            </a:stretch>
-          </a:blipFill>
-        </p:spPr>
-        <p:txBody>
-          <a:bodyPr wrap="square" lIns="0" tIns="0" rIns="0" bIns="0" rtlCol="0"/>
-          <a:lstStyle/>
-          <a:p>
-            <a:endParaRPr/>
-          </a:p>
-        </p:txBody>
-      </p:sp>
-      <p:sp>
-        <p:nvSpPr>
-          <p:cNvPr id="18" name="object 18"/>
-          <p:cNvSpPr/>
-          <p:nvPr/>
-        </p:nvSpPr>
-        <p:spPr>
-          <a:xfrm>
-            <a:off x="3853922" y="2968203"/>
-            <a:ext cx="170004" cy="156908"/>
-          </a:xfrm>
-          <a:prstGeom prst="rect">
-            <a:avLst/>
-          </a:prstGeom>
-          <a:blipFill>
-            <a:blip r:embed="rId3" cstate="print"/>
-            <a:stretch>
-              <a:fillRect/>
-            </a:stretch>
-          </a:blipFill>
-        </p:spPr>
-        <p:txBody>
-          <a:bodyPr wrap="square" lIns="0" tIns="0" rIns="0" bIns="0" rtlCol="0"/>
-          <a:lstStyle/>
-          <a:p>
-            <a:endParaRPr/>
-          </a:p>
-        </p:txBody>
-      </p:sp>
-      <p:sp>
-        <p:nvSpPr>
-          <p:cNvPr id="19" name="object 19"/>
-          <p:cNvSpPr/>
-          <p:nvPr/>
-        </p:nvSpPr>
-        <p:spPr>
-          <a:xfrm>
-            <a:off x="3853922" y="3377194"/>
-            <a:ext cx="170004" cy="156908"/>
-          </a:xfrm>
-          <a:prstGeom prst="rect">
-            <a:avLst/>
-          </a:prstGeom>
-          <a:blipFill>
-            <a:blip r:embed="rId3" cstate="print"/>
-            <a:stretch>
-              <a:fillRect/>
-            </a:stretch>
-          </a:blipFill>
-        </p:spPr>
-        <p:txBody>
-          <a:bodyPr wrap="square" lIns="0" tIns="0" rIns="0" bIns="0" rtlCol="0"/>
-          <a:lstStyle/>
-          <a:p>
-            <a:endParaRPr/>
-          </a:p>
-        </p:txBody>
-      </p:sp>
-      <p:sp>
-        <p:nvSpPr>
-          <p:cNvPr id="20" name="object 20"/>
-          <p:cNvSpPr/>
-          <p:nvPr/>
-        </p:nvSpPr>
-        <p:spPr>
-          <a:xfrm>
-            <a:off x="6402401" y="4054285"/>
-            <a:ext cx="276225" cy="412115"/>
-          </a:xfrm>
-          <a:custGeom>
-            <a:avLst/>
-            <a:gdLst/>
-            <a:ahLst/>
-            <a:cxnLst/>
-            <a:rect l="l" t="t" r="r" b="b"/>
-            <a:pathLst>
-              <a:path w="276225" h="412114">
-                <a:moveTo>
-                  <a:pt x="130543" y="0"/>
-                </a:moveTo>
-                <a:lnTo>
-                  <a:pt x="81403" y="10247"/>
-                </a:lnTo>
-                <a:lnTo>
-                  <a:pt x="43086" y="33397"/>
-                </a:lnTo>
-                <a:lnTo>
-                  <a:pt x="15622" y="68123"/>
-                </a:lnTo>
-                <a:lnTo>
-                  <a:pt x="0" y="122944"/>
-                </a:lnTo>
-                <a:lnTo>
-                  <a:pt x="1377" y="151139"/>
-                </a:lnTo>
-                <a:lnTo>
-                  <a:pt x="72193" y="312488"/>
-                </a:lnTo>
-                <a:lnTo>
-                  <a:pt x="114293" y="397373"/>
-                </a:lnTo>
-                <a:lnTo>
-                  <a:pt x="137974" y="411521"/>
-                </a:lnTo>
-                <a:lnTo>
-                  <a:pt x="145559" y="410576"/>
-                </a:lnTo>
-                <a:lnTo>
-                  <a:pt x="203754" y="312488"/>
-                </a:lnTo>
-                <a:lnTo>
-                  <a:pt x="262611" y="189020"/>
-                </a:lnTo>
-                <a:lnTo>
-                  <a:pt x="137974" y="189019"/>
-                </a:lnTo>
-                <a:lnTo>
-                  <a:pt x="115629" y="184498"/>
-                </a:lnTo>
-                <a:lnTo>
-                  <a:pt x="97354" y="172139"/>
-                </a:lnTo>
-                <a:lnTo>
-                  <a:pt x="85247" y="153751"/>
-                </a:lnTo>
-                <a:lnTo>
-                  <a:pt x="81403" y="131143"/>
-                </a:lnTo>
-                <a:lnTo>
-                  <a:pt x="86007" y="109279"/>
-                </a:lnTo>
-                <a:lnTo>
-                  <a:pt x="98506" y="91273"/>
-                </a:lnTo>
-                <a:lnTo>
-                  <a:pt x="116924" y="79055"/>
-                </a:lnTo>
-                <a:lnTo>
-                  <a:pt x="139289" y="74554"/>
-                </a:lnTo>
-                <a:lnTo>
-                  <a:pt x="260857" y="74554"/>
-                </a:lnTo>
-                <a:lnTo>
-                  <a:pt x="247851" y="51498"/>
-                </a:lnTo>
-                <a:lnTo>
-                  <a:pt x="216252" y="22947"/>
-                </a:lnTo>
-                <a:lnTo>
-                  <a:pt x="176321" y="5007"/>
-                </a:lnTo>
-                <a:lnTo>
-                  <a:pt x="130543" y="0"/>
-                </a:lnTo>
-                <a:close/>
-              </a:path>
-              <a:path w="276225" h="412114">
-                <a:moveTo>
-                  <a:pt x="260857" y="74554"/>
-                </a:moveTo>
-                <a:lnTo>
-                  <a:pt x="139289" y="74554"/>
-                </a:lnTo>
-                <a:lnTo>
-                  <a:pt x="161655" y="79055"/>
-                </a:lnTo>
-                <a:lnTo>
-                  <a:pt x="180073" y="91273"/>
-                </a:lnTo>
-                <a:lnTo>
-                  <a:pt x="192571" y="109279"/>
-                </a:lnTo>
-                <a:lnTo>
-                  <a:pt x="197176" y="131143"/>
-                </a:lnTo>
-                <a:lnTo>
-                  <a:pt x="195984" y="142437"/>
-                </a:lnTo>
-                <a:lnTo>
-                  <a:pt x="170684" y="178730"/>
-                </a:lnTo>
-                <a:lnTo>
-                  <a:pt x="137974" y="189019"/>
-                </a:lnTo>
-                <a:lnTo>
-                  <a:pt x="262611" y="189020"/>
-                </a:lnTo>
-                <a:lnTo>
-                  <a:pt x="275598" y="143663"/>
-                </a:lnTo>
-                <a:lnTo>
-                  <a:pt x="276112" y="131143"/>
-                </a:lnTo>
-                <a:lnTo>
-                  <a:pt x="268633" y="88338"/>
-                </a:lnTo>
-                <a:lnTo>
-                  <a:pt x="260857" y="74554"/>
-                </a:lnTo>
-                <a:close/>
-              </a:path>
-            </a:pathLst>
-          </a:custGeom>
-          <a:solidFill>
-            <a:srgbClr val="000000"/>
-          </a:solidFill>
-        </p:spPr>
-        <p:txBody>
-          <a:bodyPr wrap="square" lIns="0" tIns="0" rIns="0" bIns="0" rtlCol="0"/>
-          <a:lstStyle/>
-          <a:p>
-            <a:endParaRPr/>
-          </a:p>
-        </p:txBody>
-      </p:sp>
-      <p:sp>
-        <p:nvSpPr>
-          <p:cNvPr id="21" name="object 21"/>
-          <p:cNvSpPr/>
-          <p:nvPr/>
-        </p:nvSpPr>
-        <p:spPr>
-          <a:xfrm>
-            <a:off x="5751008" y="4169995"/>
-            <a:ext cx="1052830" cy="720725"/>
-          </a:xfrm>
-          <a:custGeom>
-            <a:avLst/>
-            <a:gdLst/>
-            <a:ahLst/>
-            <a:cxnLst/>
-            <a:rect l="l" t="t" r="r" b="b"/>
-            <a:pathLst>
-              <a:path w="1052829" h="720725">
-                <a:moveTo>
-                  <a:pt x="263124" y="0"/>
-                </a:moveTo>
-                <a:lnTo>
-                  <a:pt x="0" y="128613"/>
-                </a:lnTo>
-                <a:lnTo>
-                  <a:pt x="0" y="720234"/>
-                </a:lnTo>
-                <a:lnTo>
-                  <a:pt x="255231" y="595479"/>
-                </a:lnTo>
-                <a:lnTo>
-                  <a:pt x="78940" y="595479"/>
-                </a:lnTo>
-                <a:lnTo>
-                  <a:pt x="78939" y="176200"/>
-                </a:lnTo>
-                <a:lnTo>
-                  <a:pt x="236812" y="99032"/>
-                </a:lnTo>
-                <a:lnTo>
-                  <a:pt x="465728" y="99032"/>
-                </a:lnTo>
-                <a:lnTo>
-                  <a:pt x="263124" y="0"/>
-                </a:lnTo>
-                <a:close/>
-              </a:path>
-              <a:path w="1052829" h="720725">
-                <a:moveTo>
-                  <a:pt x="439416" y="591621"/>
-                </a:moveTo>
-                <a:lnTo>
-                  <a:pt x="263124" y="591621"/>
-                </a:lnTo>
-                <a:lnTo>
-                  <a:pt x="526246" y="720234"/>
-                </a:lnTo>
-                <a:lnTo>
-                  <a:pt x="728849" y="621202"/>
-                </a:lnTo>
-                <a:lnTo>
-                  <a:pt x="499934" y="621202"/>
-                </a:lnTo>
-                <a:lnTo>
-                  <a:pt x="439416" y="591621"/>
-                </a:lnTo>
-                <a:close/>
-              </a:path>
-              <a:path w="1052829" h="720725">
-                <a:moveTo>
-                  <a:pt x="965658" y="591621"/>
-                </a:moveTo>
-                <a:lnTo>
-                  <a:pt x="789367" y="591621"/>
-                </a:lnTo>
-                <a:lnTo>
-                  <a:pt x="1052488" y="720235"/>
-                </a:lnTo>
-                <a:lnTo>
-                  <a:pt x="1052488" y="595480"/>
-                </a:lnTo>
-                <a:lnTo>
-                  <a:pt x="973552" y="595480"/>
-                </a:lnTo>
-                <a:lnTo>
-                  <a:pt x="965658" y="591621"/>
-                </a:lnTo>
-                <a:close/>
-              </a:path>
-              <a:path w="1052829" h="720725">
-                <a:moveTo>
-                  <a:pt x="465728" y="99032"/>
-                </a:moveTo>
-                <a:lnTo>
-                  <a:pt x="289436" y="99032"/>
-                </a:lnTo>
-                <a:lnTo>
-                  <a:pt x="499933" y="201923"/>
-                </a:lnTo>
-                <a:lnTo>
-                  <a:pt x="499934" y="621202"/>
-                </a:lnTo>
-                <a:lnTo>
-                  <a:pt x="552558" y="621202"/>
-                </a:lnTo>
-                <a:lnTo>
-                  <a:pt x="552558" y="201923"/>
-                </a:lnTo>
-                <a:lnTo>
-                  <a:pt x="645966" y="155622"/>
-                </a:lnTo>
-                <a:lnTo>
-                  <a:pt x="633175" y="128613"/>
-                </a:lnTo>
-                <a:lnTo>
-                  <a:pt x="526245" y="128613"/>
-                </a:lnTo>
-                <a:lnTo>
-                  <a:pt x="465728" y="99032"/>
-                </a:lnTo>
-                <a:close/>
-              </a:path>
-              <a:path w="1052829" h="720725">
-                <a:moveTo>
-                  <a:pt x="815679" y="347256"/>
-                </a:moveTo>
-                <a:lnTo>
-                  <a:pt x="763055" y="347256"/>
-                </a:lnTo>
-                <a:lnTo>
-                  <a:pt x="763055" y="518311"/>
-                </a:lnTo>
-                <a:lnTo>
-                  <a:pt x="552558" y="621202"/>
-                </a:lnTo>
-                <a:lnTo>
-                  <a:pt x="728849" y="621202"/>
-                </a:lnTo>
-                <a:lnTo>
-                  <a:pt x="789367" y="591621"/>
-                </a:lnTo>
-                <a:lnTo>
-                  <a:pt x="965658" y="591621"/>
-                </a:lnTo>
-                <a:lnTo>
-                  <a:pt x="815679" y="518312"/>
-                </a:lnTo>
-                <a:lnTo>
-                  <a:pt x="815679" y="347256"/>
-                </a:lnTo>
-                <a:close/>
-              </a:path>
-              <a:path w="1052829" h="720725">
-                <a:moveTo>
-                  <a:pt x="289436" y="99032"/>
-                </a:moveTo>
-                <a:lnTo>
-                  <a:pt x="236812" y="99032"/>
-                </a:lnTo>
-                <a:lnTo>
-                  <a:pt x="236812" y="518311"/>
-                </a:lnTo>
-                <a:lnTo>
-                  <a:pt x="78940" y="595479"/>
-                </a:lnTo>
-                <a:lnTo>
-                  <a:pt x="255231" y="595479"/>
-                </a:lnTo>
-                <a:lnTo>
-                  <a:pt x="263124" y="591621"/>
-                </a:lnTo>
-                <a:lnTo>
-                  <a:pt x="439416" y="591621"/>
-                </a:lnTo>
-                <a:lnTo>
-                  <a:pt x="289436" y="518311"/>
-                </a:lnTo>
-                <a:lnTo>
-                  <a:pt x="289436" y="99032"/>
-                </a:lnTo>
-                <a:close/>
-              </a:path>
-              <a:path w="1052829" h="720725">
-                <a:moveTo>
-                  <a:pt x="965658" y="86171"/>
-                </a:moveTo>
-                <a:lnTo>
-                  <a:pt x="932768" y="155622"/>
-                </a:lnTo>
-                <a:lnTo>
-                  <a:pt x="973552" y="176200"/>
-                </a:lnTo>
-                <a:lnTo>
-                  <a:pt x="973552" y="595480"/>
-                </a:lnTo>
-                <a:lnTo>
-                  <a:pt x="1052488" y="595480"/>
-                </a:lnTo>
-                <a:lnTo>
-                  <a:pt x="1052488" y="128613"/>
-                </a:lnTo>
-                <a:lnTo>
-                  <a:pt x="965658" y="86171"/>
-                </a:lnTo>
-                <a:close/>
-              </a:path>
-              <a:path w="1052829" h="720725">
-                <a:moveTo>
-                  <a:pt x="613075" y="86171"/>
-                </a:moveTo>
-                <a:lnTo>
-                  <a:pt x="526245" y="128613"/>
-                </a:lnTo>
-                <a:lnTo>
-                  <a:pt x="633175" y="128613"/>
-                </a:lnTo>
-                <a:lnTo>
-                  <a:pt x="613075" y="86171"/>
-                </a:lnTo>
-                <a:close/>
-              </a:path>
-            </a:pathLst>
-          </a:custGeom>
-          <a:solidFill>
-            <a:srgbClr val="000000"/>
-          </a:solidFill>
-        </p:spPr>
-        <p:txBody>
-          <a:bodyPr wrap="square" lIns="0" tIns="0" rIns="0" bIns="0" rtlCol="0"/>
-          <a:lstStyle/>
-          <a:p>
-            <a:endParaRPr/>
-          </a:p>
-        </p:txBody>
-      </p:sp>
-      <p:sp>
-        <p:nvSpPr>
-          <p:cNvPr id="22" name="object 22"/>
-          <p:cNvSpPr/>
-          <p:nvPr/>
-        </p:nvSpPr>
-        <p:spPr>
-          <a:xfrm>
-            <a:off x="4471314" y="5574727"/>
-            <a:ext cx="1021715" cy="814705"/>
-          </a:xfrm>
-          <a:custGeom>
-            <a:avLst/>
-            <a:gdLst/>
-            <a:ahLst/>
-            <a:cxnLst/>
-            <a:rect l="l" t="t" r="r" b="b"/>
-            <a:pathLst>
-              <a:path w="1021714" h="814704">
-                <a:moveTo>
-                  <a:pt x="740313" y="742590"/>
-                </a:moveTo>
-                <a:lnTo>
-                  <a:pt x="280810" y="742590"/>
-                </a:lnTo>
-                <a:lnTo>
-                  <a:pt x="280810" y="814454"/>
-                </a:lnTo>
-                <a:lnTo>
-                  <a:pt x="740313" y="814454"/>
-                </a:lnTo>
-                <a:lnTo>
-                  <a:pt x="740313" y="742590"/>
-                </a:lnTo>
-                <a:close/>
-              </a:path>
-              <a:path w="1021714" h="814704">
-                <a:moveTo>
-                  <a:pt x="612673" y="670727"/>
-                </a:moveTo>
-                <a:lnTo>
-                  <a:pt x="408450" y="670727"/>
-                </a:lnTo>
-                <a:lnTo>
-                  <a:pt x="408450" y="742590"/>
-                </a:lnTo>
-                <a:lnTo>
-                  <a:pt x="612673" y="742590"/>
-                </a:lnTo>
-                <a:lnTo>
-                  <a:pt x="612673" y="670727"/>
-                </a:lnTo>
-                <a:close/>
-              </a:path>
-              <a:path w="1021714" h="814704">
-                <a:moveTo>
-                  <a:pt x="970064" y="0"/>
-                </a:moveTo>
-                <a:lnTo>
-                  <a:pt x="51055" y="0"/>
-                </a:lnTo>
-                <a:lnTo>
-                  <a:pt x="31231" y="3780"/>
-                </a:lnTo>
-                <a:lnTo>
-                  <a:pt x="14997" y="14073"/>
-                </a:lnTo>
-                <a:lnTo>
-                  <a:pt x="4028" y="29306"/>
-                </a:lnTo>
-                <a:lnTo>
-                  <a:pt x="0" y="47909"/>
-                </a:lnTo>
-                <a:lnTo>
-                  <a:pt x="0" y="622818"/>
-                </a:lnTo>
-                <a:lnTo>
-                  <a:pt x="4028" y="641420"/>
-                </a:lnTo>
-                <a:lnTo>
-                  <a:pt x="14997" y="656654"/>
-                </a:lnTo>
-                <a:lnTo>
-                  <a:pt x="31232" y="666947"/>
-                </a:lnTo>
-                <a:lnTo>
-                  <a:pt x="51056" y="670727"/>
-                </a:lnTo>
-                <a:lnTo>
-                  <a:pt x="970064" y="670727"/>
-                </a:lnTo>
-                <a:lnTo>
-                  <a:pt x="989888" y="666947"/>
-                </a:lnTo>
-                <a:lnTo>
-                  <a:pt x="1006122" y="656654"/>
-                </a:lnTo>
-                <a:lnTo>
-                  <a:pt x="1017091" y="641420"/>
-                </a:lnTo>
-                <a:lnTo>
-                  <a:pt x="1021120" y="622818"/>
-                </a:lnTo>
-                <a:lnTo>
-                  <a:pt x="1021120" y="598863"/>
-                </a:lnTo>
-                <a:lnTo>
-                  <a:pt x="76587" y="598863"/>
-                </a:lnTo>
-                <a:lnTo>
-                  <a:pt x="76587" y="71863"/>
-                </a:lnTo>
-                <a:lnTo>
-                  <a:pt x="1021120" y="71863"/>
-                </a:lnTo>
-                <a:lnTo>
-                  <a:pt x="1021120" y="47909"/>
-                </a:lnTo>
-                <a:lnTo>
-                  <a:pt x="1017091" y="29306"/>
-                </a:lnTo>
-                <a:lnTo>
-                  <a:pt x="1006122" y="14073"/>
-                </a:lnTo>
-                <a:lnTo>
-                  <a:pt x="989888" y="3780"/>
-                </a:lnTo>
-                <a:lnTo>
-                  <a:pt x="970064" y="0"/>
-                </a:lnTo>
-                <a:close/>
-              </a:path>
-              <a:path w="1021714" h="814704">
-                <a:moveTo>
-                  <a:pt x="1021120" y="71863"/>
-                </a:moveTo>
-                <a:lnTo>
-                  <a:pt x="944536" y="71863"/>
-                </a:lnTo>
-                <a:lnTo>
-                  <a:pt x="944536" y="598863"/>
-                </a:lnTo>
-                <a:lnTo>
-                  <a:pt x="1021120" y="598863"/>
-                </a:lnTo>
-                <a:lnTo>
-                  <a:pt x="1021120" y="71863"/>
-                </a:lnTo>
-                <a:close/>
-              </a:path>
-            </a:pathLst>
-          </a:custGeom>
-          <a:solidFill>
-            <a:srgbClr val="000000"/>
-          </a:solidFill>
-        </p:spPr>
-        <p:txBody>
-          <a:bodyPr wrap="square" lIns="0" tIns="0" rIns="0" bIns="0" rtlCol="0"/>
-          <a:lstStyle/>
-          <a:p>
-            <a:endParaRPr/>
-          </a:p>
-        </p:txBody>
-      </p:sp>
-      <p:sp>
-        <p:nvSpPr>
-          <p:cNvPr id="23" name="object 23"/>
-          <p:cNvSpPr/>
-          <p:nvPr/>
-        </p:nvSpPr>
-        <p:spPr>
-          <a:xfrm>
-            <a:off x="10629900" y="19050"/>
-            <a:ext cx="1562100" cy="1666875"/>
-          </a:xfrm>
-          <a:prstGeom prst="rect">
-            <a:avLst/>
-          </a:prstGeom>
-          <a:blipFill>
-            <a:blip r:embed="rId4" cstate="print"/>
-            <a:stretch>
-              <a:fillRect/>
-            </a:stretch>
-          </a:blipFill>
-        </p:spPr>
-        <p:txBody>
-          <a:bodyPr wrap="square" lIns="0" tIns="0" rIns="0" bIns="0" rtlCol="0"/>
-          <a:lstStyle/>
-          <a:p>
-            <a:endParaRPr/>
-          </a:p>
-        </p:txBody>
-      </p:sp>
-      <p:sp>
-        <p:nvSpPr>
-          <p:cNvPr id="24" name="object 24"/>
-          <p:cNvSpPr txBox="1"/>
-          <p:nvPr/>
-        </p:nvSpPr>
-        <p:spPr>
-          <a:xfrm>
-            <a:off x="5843015" y="2735580"/>
-            <a:ext cx="3661410" cy="758190"/>
-          </a:xfrm>
-          <a:prstGeom prst="rect">
-            <a:avLst/>
-          </a:prstGeom>
-        </p:spPr>
-        <p:txBody>
-          <a:bodyPr vert="horz" wrap="square" lIns="0" tIns="13335" rIns="0" bIns="0" rtlCol="0">
-            <a:spAutoFit/>
-          </a:bodyPr>
-          <a:lstStyle/>
-          <a:p>
-            <a:pPr marL="698500" indent="-686435">
-              <a:lnSpc>
-                <a:spcPct val="100000"/>
-              </a:lnSpc>
-              <a:spcBef>
-                <a:spcPts val="105"/>
-              </a:spcBef>
-              <a:buFont typeface="Arial"/>
-              <a:buChar char="•"/>
-              <a:tabLst>
-                <a:tab pos="698500" algn="l"/>
-                <a:tab pos="699135" algn="l"/>
-              </a:tabLst>
-            </a:pPr>
-            <a:r>
-              <a:rPr sz="4800" spc="-30" dirty="0">
-                <a:solidFill>
-                  <a:srgbClr val="FFFFFF"/>
-                </a:solidFill>
-                <a:latin typeface="Calibri"/>
-                <a:cs typeface="Calibri"/>
-              </a:rPr>
-              <a:t>N</a:t>
-            </a:r>
-            <a:r>
-              <a:rPr sz="4800" dirty="0">
-                <a:solidFill>
-                  <a:srgbClr val="FFFFFF"/>
-                </a:solidFill>
-                <a:latin typeface="Calibri"/>
-                <a:cs typeface="Calibri"/>
-              </a:rPr>
-              <a:t>e</a:t>
-            </a:r>
-            <a:r>
-              <a:rPr sz="4800" spc="-25" dirty="0">
-                <a:solidFill>
-                  <a:srgbClr val="FFFFFF"/>
-                </a:solidFill>
-                <a:latin typeface="Calibri"/>
-                <a:cs typeface="Calibri"/>
-              </a:rPr>
-              <a:t>t</a:t>
-            </a:r>
-            <a:r>
-              <a:rPr sz="4800" spc="20" dirty="0">
-                <a:solidFill>
-                  <a:srgbClr val="FFFFFF"/>
-                </a:solidFill>
-                <a:latin typeface="Calibri"/>
-                <a:cs typeface="Calibri"/>
-              </a:rPr>
-              <a:t>n</a:t>
-            </a:r>
-            <a:r>
-              <a:rPr sz="4800" spc="10" dirty="0">
-                <a:solidFill>
-                  <a:srgbClr val="FFFFFF"/>
-                </a:solidFill>
-                <a:latin typeface="Calibri"/>
-                <a:cs typeface="Calibri"/>
-              </a:rPr>
-              <a:t>o</a:t>
-            </a:r>
-            <a:r>
-              <a:rPr sz="4800" dirty="0">
-                <a:solidFill>
-                  <a:srgbClr val="FFFFFF"/>
-                </a:solidFill>
-                <a:latin typeface="Calibri"/>
-                <a:cs typeface="Calibri"/>
-              </a:rPr>
-              <a:t>g</a:t>
-            </a:r>
-            <a:r>
-              <a:rPr sz="4800" spc="-110" dirty="0">
-                <a:solidFill>
-                  <a:srgbClr val="FFFFFF"/>
-                </a:solidFill>
-                <a:latin typeface="Calibri"/>
-                <a:cs typeface="Calibri"/>
-              </a:rPr>
-              <a:t>r</a:t>
-            </a:r>
-            <a:r>
-              <a:rPr sz="4800" spc="15" dirty="0">
-                <a:solidFill>
-                  <a:srgbClr val="FFFFFF"/>
-                </a:solidFill>
-                <a:latin typeface="Calibri"/>
-                <a:cs typeface="Calibri"/>
-              </a:rPr>
-              <a:t>a</a:t>
-            </a:r>
-            <a:r>
-              <a:rPr sz="4800" spc="30" dirty="0">
-                <a:solidFill>
-                  <a:srgbClr val="FFFFFF"/>
-                </a:solidFill>
-                <a:latin typeface="Calibri"/>
-                <a:cs typeface="Calibri"/>
-              </a:rPr>
-              <a:t>f</a:t>
-            </a:r>
-            <a:r>
-              <a:rPr sz="4800" spc="20" dirty="0">
-                <a:solidFill>
-                  <a:srgbClr val="FFFFFF"/>
-                </a:solidFill>
-                <a:latin typeface="Calibri"/>
-                <a:cs typeface="Calibri"/>
-              </a:rPr>
-              <a:t>í</a:t>
-            </a:r>
-            <a:r>
-              <a:rPr sz="4800" dirty="0">
-                <a:solidFill>
-                  <a:srgbClr val="FFFFFF"/>
-                </a:solidFill>
-                <a:latin typeface="Calibri"/>
-                <a:cs typeface="Calibri"/>
-              </a:rPr>
-              <a:t>a</a:t>
-            </a:r>
-            <a:endParaRPr sz="4800">
-              <a:latin typeface="Calibri"/>
-              <a:cs typeface="Calibri"/>
-            </a:endParaRPr>
-          </a:p>
-        </p:txBody>
-      </p:sp>
-      <p:sp>
-        <p:nvSpPr>
-          <p:cNvPr id="25" name="object 25"/>
-          <p:cNvSpPr/>
-          <p:nvPr/>
-        </p:nvSpPr>
-        <p:spPr>
-          <a:xfrm>
-            <a:off x="9839623" y="3709532"/>
-            <a:ext cx="809625" cy="0"/>
-          </a:xfrm>
-          <a:custGeom>
-            <a:avLst/>
-            <a:gdLst/>
-            <a:ahLst/>
-            <a:cxnLst/>
-            <a:rect l="l" t="t" r="r" b="b"/>
-            <a:pathLst>
-              <a:path w="809625">
-                <a:moveTo>
-                  <a:pt x="0" y="0"/>
-                </a:moveTo>
-                <a:lnTo>
-                  <a:pt x="809598" y="0"/>
-                </a:lnTo>
-              </a:path>
-            </a:pathLst>
-          </a:custGeom>
-          <a:ln w="76882">
+          <a:ln w="88900" cap="sq">
             <a:solidFill>
-              <a:srgbClr val="000000"/>
+              <a:srgbClr val="FFFFFF"/>
             </a:solidFill>
+            <a:miter lim="800000"/>
           </a:ln>
-        </p:spPr>
-        <p:txBody>
-          <a:bodyPr wrap="square" lIns="0" tIns="0" rIns="0" bIns="0" rtlCol="0"/>
-          <a:lstStyle/>
-          <a:p>
-            <a:endParaRPr/>
-          </a:p>
-        </p:txBody>
-      </p:sp>
-      <p:sp>
-        <p:nvSpPr>
-          <p:cNvPr id="26" name="object 26"/>
-          <p:cNvSpPr/>
-          <p:nvPr/>
-        </p:nvSpPr>
-        <p:spPr>
-          <a:xfrm>
-            <a:off x="9878797" y="2796400"/>
-            <a:ext cx="0" cy="875030"/>
-          </a:xfrm>
-          <a:custGeom>
-            <a:avLst/>
-            <a:gdLst/>
-            <a:ahLst/>
-            <a:cxnLst/>
-            <a:rect l="l" t="t" r="r" b="b"/>
-            <a:pathLst>
-              <a:path h="875029">
-                <a:moveTo>
-                  <a:pt x="0" y="0"/>
-                </a:moveTo>
-                <a:lnTo>
-                  <a:pt x="0" y="874691"/>
-                </a:lnTo>
-              </a:path>
-            </a:pathLst>
-          </a:custGeom>
-          <a:ln w="78348">
-            <a:solidFill>
-              <a:srgbClr val="000000"/>
-            </a:solidFill>
-          </a:ln>
-        </p:spPr>
-        <p:txBody>
-          <a:bodyPr wrap="square" lIns="0" tIns="0" rIns="0" bIns="0" rtlCol="0"/>
-          <a:lstStyle/>
-          <a:p>
-            <a:endParaRPr/>
-          </a:p>
-        </p:txBody>
-      </p:sp>
-      <p:sp>
-        <p:nvSpPr>
-          <p:cNvPr id="27" name="object 27"/>
-          <p:cNvSpPr/>
-          <p:nvPr/>
-        </p:nvSpPr>
-        <p:spPr>
-          <a:xfrm>
-            <a:off x="9839623" y="2757959"/>
-            <a:ext cx="809625" cy="0"/>
-          </a:xfrm>
-          <a:custGeom>
-            <a:avLst/>
-            <a:gdLst/>
-            <a:ahLst/>
-            <a:cxnLst/>
-            <a:rect l="l" t="t" r="r" b="b"/>
-            <a:pathLst>
-              <a:path w="809625">
-                <a:moveTo>
-                  <a:pt x="0" y="0"/>
-                </a:moveTo>
-                <a:lnTo>
-                  <a:pt x="809598" y="0"/>
-                </a:lnTo>
-              </a:path>
-            </a:pathLst>
-          </a:custGeom>
-          <a:ln w="76882">
-            <a:solidFill>
-              <a:srgbClr val="000000"/>
-            </a:solidFill>
-          </a:ln>
-        </p:spPr>
-        <p:txBody>
-          <a:bodyPr wrap="square" lIns="0" tIns="0" rIns="0" bIns="0" rtlCol="0"/>
-          <a:lstStyle/>
-          <a:p>
-            <a:endParaRPr/>
-          </a:p>
-        </p:txBody>
-      </p:sp>
-      <p:sp>
-        <p:nvSpPr>
-          <p:cNvPr id="28" name="object 28"/>
-          <p:cNvSpPr/>
-          <p:nvPr/>
-        </p:nvSpPr>
-        <p:spPr>
-          <a:xfrm>
-            <a:off x="10610047" y="2796701"/>
-            <a:ext cx="0" cy="875030"/>
-          </a:xfrm>
-          <a:custGeom>
-            <a:avLst/>
-            <a:gdLst/>
-            <a:ahLst/>
-            <a:cxnLst/>
-            <a:rect l="l" t="t" r="r" b="b"/>
-            <a:pathLst>
-              <a:path h="875029">
-                <a:moveTo>
-                  <a:pt x="0" y="0"/>
-                </a:moveTo>
-                <a:lnTo>
-                  <a:pt x="0" y="874571"/>
-                </a:lnTo>
-              </a:path>
-            </a:pathLst>
-          </a:custGeom>
-          <a:ln w="78348">
-            <a:solidFill>
-              <a:srgbClr val="000000"/>
-            </a:solidFill>
-          </a:ln>
-        </p:spPr>
-        <p:txBody>
-          <a:bodyPr wrap="square" lIns="0" tIns="0" rIns="0" bIns="0" rtlCol="0"/>
-          <a:lstStyle/>
-          <a:p>
-            <a:endParaRPr/>
-          </a:p>
-        </p:txBody>
-      </p:sp>
-      <p:sp>
-        <p:nvSpPr>
-          <p:cNvPr id="29" name="object 29"/>
-          <p:cNvSpPr/>
-          <p:nvPr/>
-        </p:nvSpPr>
-        <p:spPr>
-          <a:xfrm>
-            <a:off x="10009377" y="2873869"/>
-            <a:ext cx="104775" cy="103505"/>
-          </a:xfrm>
-          <a:custGeom>
-            <a:avLst/>
-            <a:gdLst/>
-            <a:ahLst/>
-            <a:cxnLst/>
-            <a:rect l="l" t="t" r="r" b="b"/>
-            <a:pathLst>
-              <a:path w="104775" h="103505">
-                <a:moveTo>
-                  <a:pt x="0" y="102890"/>
-                </a:moveTo>
-                <a:lnTo>
-                  <a:pt x="104464" y="102890"/>
-                </a:lnTo>
-                <a:lnTo>
-                  <a:pt x="104464" y="0"/>
-                </a:lnTo>
-                <a:lnTo>
-                  <a:pt x="0" y="0"/>
-                </a:lnTo>
-                <a:lnTo>
-                  <a:pt x="0" y="102890"/>
-                </a:lnTo>
-                <a:close/>
-              </a:path>
-            </a:pathLst>
-          </a:custGeom>
-          <a:solidFill>
-            <a:srgbClr val="000000"/>
-          </a:solidFill>
-        </p:spPr>
-        <p:txBody>
-          <a:bodyPr wrap="square" lIns="0" tIns="0" rIns="0" bIns="0" rtlCol="0"/>
-          <a:lstStyle/>
-          <a:p>
-            <a:endParaRPr/>
-          </a:p>
-        </p:txBody>
-      </p:sp>
-      <p:sp>
-        <p:nvSpPr>
-          <p:cNvPr id="30" name="object 30"/>
-          <p:cNvSpPr/>
-          <p:nvPr/>
-        </p:nvSpPr>
-        <p:spPr>
-          <a:xfrm>
-            <a:off x="10218306" y="2925315"/>
-            <a:ext cx="261620" cy="0"/>
-          </a:xfrm>
-          <a:custGeom>
-            <a:avLst/>
-            <a:gdLst/>
-            <a:ahLst/>
-            <a:cxnLst/>
-            <a:rect l="l" t="t" r="r" b="b"/>
-            <a:pathLst>
-              <a:path w="261620">
-                <a:moveTo>
-                  <a:pt x="0" y="0"/>
-                </a:moveTo>
-                <a:lnTo>
-                  <a:pt x="261160" y="0"/>
-                </a:lnTo>
-              </a:path>
-            </a:pathLst>
-          </a:custGeom>
-          <a:ln w="51445">
-            <a:solidFill>
-              <a:srgbClr val="000000"/>
-            </a:solidFill>
-          </a:ln>
-        </p:spPr>
-        <p:txBody>
-          <a:bodyPr wrap="square" lIns="0" tIns="0" rIns="0" bIns="0" rtlCol="0"/>
-          <a:lstStyle/>
-          <a:p>
-            <a:endParaRPr/>
-          </a:p>
-        </p:txBody>
-      </p:sp>
-      <p:sp>
-        <p:nvSpPr>
-          <p:cNvPr id="31" name="object 31"/>
-          <p:cNvSpPr/>
-          <p:nvPr/>
-        </p:nvSpPr>
-        <p:spPr>
-          <a:xfrm>
-            <a:off x="10009377" y="3079651"/>
-            <a:ext cx="104775" cy="103505"/>
-          </a:xfrm>
-          <a:custGeom>
-            <a:avLst/>
-            <a:gdLst/>
-            <a:ahLst/>
-            <a:cxnLst/>
-            <a:rect l="l" t="t" r="r" b="b"/>
-            <a:pathLst>
-              <a:path w="104775" h="103505">
-                <a:moveTo>
-                  <a:pt x="0" y="102890"/>
-                </a:moveTo>
-                <a:lnTo>
-                  <a:pt x="104464" y="102890"/>
-                </a:lnTo>
-                <a:lnTo>
-                  <a:pt x="104464" y="0"/>
-                </a:lnTo>
-                <a:lnTo>
-                  <a:pt x="0" y="0"/>
-                </a:lnTo>
-                <a:lnTo>
-                  <a:pt x="0" y="102890"/>
-                </a:lnTo>
-                <a:close/>
-              </a:path>
-            </a:pathLst>
-          </a:custGeom>
-          <a:solidFill>
-            <a:srgbClr val="000000"/>
-          </a:solidFill>
-        </p:spPr>
-        <p:txBody>
-          <a:bodyPr wrap="square" lIns="0" tIns="0" rIns="0" bIns="0" rtlCol="0"/>
-          <a:lstStyle/>
-          <a:p>
-            <a:endParaRPr/>
-          </a:p>
-        </p:txBody>
-      </p:sp>
-      <p:sp>
-        <p:nvSpPr>
-          <p:cNvPr id="32" name="object 32"/>
-          <p:cNvSpPr/>
-          <p:nvPr/>
-        </p:nvSpPr>
-        <p:spPr>
-          <a:xfrm>
-            <a:off x="10218306" y="3131096"/>
-            <a:ext cx="261620" cy="0"/>
-          </a:xfrm>
-          <a:custGeom>
-            <a:avLst/>
-            <a:gdLst/>
-            <a:ahLst/>
-            <a:cxnLst/>
-            <a:rect l="l" t="t" r="r" b="b"/>
-            <a:pathLst>
-              <a:path w="261620">
-                <a:moveTo>
-                  <a:pt x="0" y="0"/>
-                </a:moveTo>
-                <a:lnTo>
-                  <a:pt x="261160" y="0"/>
-                </a:lnTo>
-              </a:path>
-            </a:pathLst>
-          </a:custGeom>
-          <a:ln w="51445">
-            <a:solidFill>
-              <a:srgbClr val="000000"/>
-            </a:solidFill>
-          </a:ln>
-        </p:spPr>
-        <p:txBody>
-          <a:bodyPr wrap="square" lIns="0" tIns="0" rIns="0" bIns="0" rtlCol="0"/>
-          <a:lstStyle/>
-          <a:p>
-            <a:endParaRPr/>
-          </a:p>
-        </p:txBody>
-      </p:sp>
-      <p:sp>
-        <p:nvSpPr>
-          <p:cNvPr id="33" name="object 33"/>
-          <p:cNvSpPr/>
-          <p:nvPr/>
-        </p:nvSpPr>
-        <p:spPr>
-          <a:xfrm>
-            <a:off x="10009378" y="3285432"/>
-            <a:ext cx="104775" cy="103505"/>
-          </a:xfrm>
-          <a:custGeom>
-            <a:avLst/>
-            <a:gdLst/>
-            <a:ahLst/>
-            <a:cxnLst/>
-            <a:rect l="l" t="t" r="r" b="b"/>
-            <a:pathLst>
-              <a:path w="104775" h="103504">
-                <a:moveTo>
-                  <a:pt x="0" y="102890"/>
-                </a:moveTo>
-                <a:lnTo>
-                  <a:pt x="104464" y="102890"/>
-                </a:lnTo>
-                <a:lnTo>
-                  <a:pt x="104464" y="0"/>
-                </a:lnTo>
-                <a:lnTo>
-                  <a:pt x="0" y="0"/>
-                </a:lnTo>
-                <a:lnTo>
-                  <a:pt x="0" y="102890"/>
-                </a:lnTo>
-                <a:close/>
-              </a:path>
-            </a:pathLst>
-          </a:custGeom>
-          <a:solidFill>
-            <a:srgbClr val="000000"/>
-          </a:solidFill>
-        </p:spPr>
-        <p:txBody>
-          <a:bodyPr wrap="square" lIns="0" tIns="0" rIns="0" bIns="0" rtlCol="0"/>
-          <a:lstStyle/>
-          <a:p>
-            <a:endParaRPr/>
-          </a:p>
-        </p:txBody>
-      </p:sp>
-      <p:sp>
-        <p:nvSpPr>
-          <p:cNvPr id="34" name="object 34"/>
-          <p:cNvSpPr/>
-          <p:nvPr/>
-        </p:nvSpPr>
-        <p:spPr>
-          <a:xfrm>
-            <a:off x="10218306" y="3336878"/>
-            <a:ext cx="261620" cy="0"/>
-          </a:xfrm>
-          <a:custGeom>
-            <a:avLst/>
-            <a:gdLst/>
-            <a:ahLst/>
-            <a:cxnLst/>
-            <a:rect l="l" t="t" r="r" b="b"/>
-            <a:pathLst>
-              <a:path w="261620">
-                <a:moveTo>
-                  <a:pt x="0" y="0"/>
-                </a:moveTo>
-                <a:lnTo>
-                  <a:pt x="261160" y="0"/>
-                </a:lnTo>
-              </a:path>
-            </a:pathLst>
-          </a:custGeom>
-          <a:ln w="51445">
-            <a:solidFill>
-              <a:srgbClr val="000000"/>
-            </a:solidFill>
-          </a:ln>
-        </p:spPr>
-        <p:txBody>
-          <a:bodyPr wrap="square" lIns="0" tIns="0" rIns="0" bIns="0" rtlCol="0"/>
-          <a:lstStyle/>
-          <a:p>
-            <a:endParaRPr/>
-          </a:p>
-        </p:txBody>
-      </p:sp>
-      <p:sp>
-        <p:nvSpPr>
-          <p:cNvPr id="35" name="object 35"/>
-          <p:cNvSpPr/>
-          <p:nvPr/>
-        </p:nvSpPr>
-        <p:spPr>
-          <a:xfrm>
-            <a:off x="10009378" y="3491214"/>
-            <a:ext cx="104775" cy="103505"/>
-          </a:xfrm>
-          <a:custGeom>
-            <a:avLst/>
-            <a:gdLst/>
-            <a:ahLst/>
-            <a:cxnLst/>
-            <a:rect l="l" t="t" r="r" b="b"/>
-            <a:pathLst>
-              <a:path w="104775" h="103504">
-                <a:moveTo>
-                  <a:pt x="0" y="102890"/>
-                </a:moveTo>
-                <a:lnTo>
-                  <a:pt x="104464" y="102890"/>
-                </a:lnTo>
-                <a:lnTo>
-                  <a:pt x="104464" y="0"/>
-                </a:lnTo>
-                <a:lnTo>
-                  <a:pt x="0" y="0"/>
-                </a:lnTo>
-                <a:lnTo>
-                  <a:pt x="0" y="102890"/>
-                </a:lnTo>
-                <a:close/>
-              </a:path>
-            </a:pathLst>
-          </a:custGeom>
-          <a:solidFill>
-            <a:srgbClr val="000000"/>
-          </a:solidFill>
-        </p:spPr>
-        <p:txBody>
-          <a:bodyPr wrap="square" lIns="0" tIns="0" rIns="0" bIns="0" rtlCol="0"/>
-          <a:lstStyle/>
-          <a:p>
-            <a:endParaRPr/>
-          </a:p>
-        </p:txBody>
-      </p:sp>
-      <p:sp>
-        <p:nvSpPr>
-          <p:cNvPr id="36" name="object 36"/>
-          <p:cNvSpPr/>
-          <p:nvPr/>
-        </p:nvSpPr>
-        <p:spPr>
-          <a:xfrm>
-            <a:off x="10218306" y="3542659"/>
-            <a:ext cx="261620" cy="0"/>
-          </a:xfrm>
-          <a:custGeom>
-            <a:avLst/>
-            <a:gdLst/>
-            <a:ahLst/>
-            <a:cxnLst/>
-            <a:rect l="l" t="t" r="r" b="b"/>
-            <a:pathLst>
-              <a:path w="261620">
-                <a:moveTo>
-                  <a:pt x="0" y="0"/>
-                </a:moveTo>
-                <a:lnTo>
-                  <a:pt x="261160" y="0"/>
-                </a:lnTo>
-              </a:path>
-            </a:pathLst>
-          </a:custGeom>
-          <a:ln w="51445">
-            <a:solidFill>
-              <a:srgbClr val="000000"/>
-            </a:solidFill>
-          </a:ln>
-        </p:spPr>
-        <p:txBody>
-          <a:bodyPr wrap="square" lIns="0" tIns="0" rIns="0" bIns="0" rtlCol="0"/>
-          <a:lstStyle/>
-          <a:p>
-            <a:endParaRPr/>
-          </a:p>
-        </p:txBody>
-      </p:sp>
+          <a:effectLst>
+            <a:outerShdw blurRad="254000" algn="tl" rotWithShape="0">
+              <a:srgbClr val="000000">
+                <a:alpha val="43000"/>
+              </a:srgbClr>
+            </a:outerShdw>
+          </a:effectLst>
+        </p:spPr>
+      </p:pic>
     </p:spTree>
   </p:cSld>
   <p:clrMapOvr>
@@ -6688,8 +5265,8 @@
         </p:nvSpPr>
         <p:spPr>
           <a:xfrm>
-            <a:off x="1981200" y="5543613"/>
-            <a:ext cx="8215376" cy="1314386"/>
+            <a:off x="10477500" y="0"/>
+            <a:ext cx="1714500" cy="1533525"/>
           </a:xfrm>
           <a:prstGeom prst="rect">
             <a:avLst/>
@@ -6717,8 +5294,750 @@
         </p:nvSpPr>
         <p:spPr>
           <a:xfrm>
-            <a:off x="2009775" y="1295400"/>
-            <a:ext cx="8162925" cy="4267200"/>
+            <a:off x="0" y="0"/>
+            <a:ext cx="12187555" cy="2081530"/>
+          </a:xfrm>
+          <a:custGeom>
+            <a:avLst/>
+            <a:gdLst/>
+            <a:ahLst/>
+            <a:cxnLst/>
+            <a:rect l="l" t="t" r="r" b="b"/>
+            <a:pathLst>
+              <a:path w="12187555" h="2081530">
+                <a:moveTo>
+                  <a:pt x="0" y="2081149"/>
+                </a:moveTo>
+                <a:lnTo>
+                  <a:pt x="12187236" y="2081149"/>
+                </a:lnTo>
+                <a:lnTo>
+                  <a:pt x="12187236" y="0"/>
+                </a:lnTo>
+                <a:lnTo>
+                  <a:pt x="0" y="0"/>
+                </a:lnTo>
+                <a:lnTo>
+                  <a:pt x="0" y="2081149"/>
+                </a:lnTo>
+                <a:close/>
+              </a:path>
+            </a:pathLst>
+          </a:custGeom>
+          <a:solidFill>
+            <a:srgbClr val="601B95"/>
+          </a:solidFill>
+        </p:spPr>
+        <p:txBody>
+          <a:bodyPr wrap="square" lIns="0" tIns="0" rIns="0" bIns="0" rtlCol="0"/>
+          <a:lstStyle/>
+          <a:p>
+            <a:endParaRPr/>
+          </a:p>
+        </p:txBody>
+      </p:sp>
+      <p:sp>
+        <p:nvSpPr>
+          <p:cNvPr id="4" name="object 4"/>
+          <p:cNvSpPr/>
+          <p:nvPr/>
+        </p:nvSpPr>
+        <p:spPr>
+          <a:xfrm>
+            <a:off x="0" y="0"/>
+            <a:ext cx="12187555" cy="2081530"/>
+          </a:xfrm>
+          <a:custGeom>
+            <a:avLst/>
+            <a:gdLst/>
+            <a:ahLst/>
+            <a:cxnLst/>
+            <a:rect l="l" t="t" r="r" b="b"/>
+            <a:pathLst>
+              <a:path w="12187555" h="2081530">
+                <a:moveTo>
+                  <a:pt x="0" y="2081149"/>
+                </a:moveTo>
+                <a:lnTo>
+                  <a:pt x="12187236" y="2081149"/>
+                </a:lnTo>
+                <a:lnTo>
+                  <a:pt x="12187236" y="0"/>
+                </a:lnTo>
+              </a:path>
+            </a:pathLst>
+          </a:custGeom>
+          <a:ln w="12700">
+            <a:solidFill>
+              <a:srgbClr val="172C51"/>
+            </a:solidFill>
+          </a:ln>
+        </p:spPr>
+        <p:txBody>
+          <a:bodyPr wrap="square" lIns="0" tIns="0" rIns="0" bIns="0" rtlCol="0"/>
+          <a:lstStyle/>
+          <a:p>
+            <a:endParaRPr/>
+          </a:p>
+        </p:txBody>
+      </p:sp>
+      <p:sp>
+        <p:nvSpPr>
+          <p:cNvPr id="5" name="object 5"/>
+          <p:cNvSpPr txBox="1">
+            <a:spLocks noGrp="1"/>
+          </p:cNvSpPr>
+          <p:nvPr>
+            <p:ph type="title"/>
+          </p:nvPr>
+        </p:nvSpPr>
+        <p:spPr>
+          <a:xfrm>
+            <a:off x="804544" y="410845"/>
+            <a:ext cx="6049645" cy="1124585"/>
+          </a:xfrm>
+          <a:prstGeom prst="rect">
+            <a:avLst/>
+          </a:prstGeom>
+        </p:spPr>
+        <p:txBody>
+          <a:bodyPr vert="horz" wrap="square" lIns="0" tIns="13970" rIns="0" bIns="0" rtlCol="0">
+            <a:spAutoFit/>
+          </a:bodyPr>
+          <a:lstStyle/>
+          <a:p>
+            <a:pPr marL="12700">
+              <a:lnSpc>
+                <a:spcPct val="100000"/>
+              </a:lnSpc>
+              <a:spcBef>
+                <a:spcPts val="110"/>
+              </a:spcBef>
+            </a:pPr>
+            <a:r>
+              <a:rPr sz="7200" spc="5" dirty="0">
+                <a:latin typeface="Calibri"/>
+                <a:cs typeface="Calibri"/>
+              </a:rPr>
+              <a:t>Design</a:t>
+            </a:r>
+            <a:r>
+              <a:rPr sz="7200" spc="-155" dirty="0">
+                <a:latin typeface="Calibri"/>
+                <a:cs typeface="Calibri"/>
+              </a:rPr>
+              <a:t> </a:t>
+            </a:r>
+            <a:r>
+              <a:rPr sz="7200" spc="20" dirty="0">
+                <a:latin typeface="Calibri"/>
+                <a:cs typeface="Calibri"/>
+              </a:rPr>
+              <a:t>Thinking</a:t>
+            </a:r>
+            <a:endParaRPr sz="7200" dirty="0">
+              <a:latin typeface="Calibri"/>
+              <a:cs typeface="Calibri"/>
+            </a:endParaRPr>
+          </a:p>
+        </p:txBody>
+      </p:sp>
+      <p:sp>
+        <p:nvSpPr>
+          <p:cNvPr id="6" name="object 6"/>
+          <p:cNvSpPr txBox="1"/>
+          <p:nvPr/>
+        </p:nvSpPr>
+        <p:spPr>
+          <a:xfrm>
+            <a:off x="474027" y="2724149"/>
+            <a:ext cx="2929890" cy="758190"/>
+          </a:xfrm>
+          <a:prstGeom prst="rect">
+            <a:avLst/>
+          </a:prstGeom>
+        </p:spPr>
+        <p:txBody>
+          <a:bodyPr vert="horz" wrap="square" lIns="0" tIns="13335" rIns="0" bIns="0" rtlCol="0">
+            <a:spAutoFit/>
+          </a:bodyPr>
+          <a:lstStyle/>
+          <a:p>
+            <a:pPr marL="699135" indent="-686435">
+              <a:lnSpc>
+                <a:spcPct val="100000"/>
+              </a:lnSpc>
+              <a:spcBef>
+                <a:spcPts val="105"/>
+              </a:spcBef>
+              <a:buFont typeface="Arial"/>
+              <a:buChar char="•"/>
+              <a:tabLst>
+                <a:tab pos="698500" algn="l"/>
+                <a:tab pos="699135" algn="l"/>
+              </a:tabLst>
+            </a:pPr>
+            <a:r>
+              <a:rPr sz="4800" spc="-25" dirty="0">
+                <a:solidFill>
+                  <a:srgbClr val="ECEBE9"/>
+                </a:solidFill>
+                <a:latin typeface="Calibri"/>
+                <a:cs typeface="Calibri"/>
+              </a:rPr>
+              <a:t>E</a:t>
+            </a:r>
+            <a:r>
+              <a:rPr sz="4800" spc="20" dirty="0">
+                <a:solidFill>
+                  <a:srgbClr val="ECEBE9"/>
+                </a:solidFill>
+                <a:latin typeface="Calibri"/>
+                <a:cs typeface="Calibri"/>
+              </a:rPr>
+              <a:t>n</a:t>
+            </a:r>
+            <a:r>
+              <a:rPr sz="4800" dirty="0">
+                <a:solidFill>
+                  <a:srgbClr val="ECEBE9"/>
+                </a:solidFill>
+                <a:latin typeface="Calibri"/>
+                <a:cs typeface="Calibri"/>
+              </a:rPr>
+              <a:t>c</a:t>
+            </a:r>
+            <a:r>
+              <a:rPr sz="4800" spc="15" dirty="0">
+                <a:solidFill>
+                  <a:srgbClr val="ECEBE9"/>
+                </a:solidFill>
+                <a:latin typeface="Calibri"/>
+                <a:cs typeface="Calibri"/>
+              </a:rPr>
+              <a:t>u</a:t>
+            </a:r>
+            <a:r>
+              <a:rPr sz="4800" dirty="0">
+                <a:solidFill>
+                  <a:srgbClr val="ECEBE9"/>
+                </a:solidFill>
+                <a:latin typeface="Calibri"/>
+                <a:cs typeface="Calibri"/>
+              </a:rPr>
+              <a:t>e</a:t>
+            </a:r>
+            <a:r>
+              <a:rPr sz="4800" spc="-70" dirty="0">
+                <a:solidFill>
+                  <a:srgbClr val="ECEBE9"/>
+                </a:solidFill>
+                <a:latin typeface="Calibri"/>
+                <a:cs typeface="Calibri"/>
+              </a:rPr>
+              <a:t>s</a:t>
+            </a:r>
+            <a:r>
+              <a:rPr sz="4800" spc="-110" dirty="0">
+                <a:solidFill>
+                  <a:srgbClr val="ECEBE9"/>
+                </a:solidFill>
+                <a:latin typeface="Calibri"/>
+                <a:cs typeface="Calibri"/>
+              </a:rPr>
+              <a:t>t</a:t>
+            </a:r>
+            <a:r>
+              <a:rPr sz="4800" dirty="0">
+                <a:solidFill>
+                  <a:srgbClr val="ECEBE9"/>
+                </a:solidFill>
+                <a:latin typeface="Calibri"/>
+                <a:cs typeface="Calibri"/>
+              </a:rPr>
+              <a:t>a</a:t>
+            </a:r>
+            <a:endParaRPr sz="4800">
+              <a:latin typeface="Calibri"/>
+              <a:cs typeface="Calibri"/>
+            </a:endParaRPr>
+          </a:p>
+        </p:txBody>
+      </p:sp>
+      <p:sp>
+        <p:nvSpPr>
+          <p:cNvPr id="7" name="object 7"/>
+          <p:cNvSpPr txBox="1"/>
+          <p:nvPr/>
+        </p:nvSpPr>
+        <p:spPr>
+          <a:xfrm>
+            <a:off x="474027" y="4125912"/>
+            <a:ext cx="4961255" cy="2160270"/>
+          </a:xfrm>
+          <a:prstGeom prst="rect">
+            <a:avLst/>
+          </a:prstGeom>
+        </p:spPr>
+        <p:txBody>
+          <a:bodyPr vert="horz" wrap="square" lIns="0" tIns="13335" rIns="0" bIns="0" rtlCol="0">
+            <a:spAutoFit/>
+          </a:bodyPr>
+          <a:lstStyle/>
+          <a:p>
+            <a:pPr marL="699135" indent="-686435">
+              <a:lnSpc>
+                <a:spcPct val="100000"/>
+              </a:lnSpc>
+              <a:spcBef>
+                <a:spcPts val="105"/>
+              </a:spcBef>
+              <a:buFont typeface="Arial"/>
+              <a:buChar char="•"/>
+              <a:tabLst>
+                <a:tab pos="698500" algn="l"/>
+                <a:tab pos="699135" algn="l"/>
+              </a:tabLst>
+            </a:pPr>
+            <a:r>
+              <a:rPr sz="4800" spc="15" dirty="0">
+                <a:solidFill>
+                  <a:srgbClr val="ECEBE9"/>
+                </a:solidFill>
+                <a:latin typeface="Calibri"/>
+                <a:cs typeface="Calibri"/>
+              </a:rPr>
+              <a:t>Mapa </a:t>
+            </a:r>
+            <a:r>
+              <a:rPr sz="4800" spc="10" dirty="0">
+                <a:solidFill>
+                  <a:srgbClr val="ECEBE9"/>
+                </a:solidFill>
+                <a:latin typeface="Calibri"/>
+                <a:cs typeface="Calibri"/>
+              </a:rPr>
+              <a:t>de</a:t>
+            </a:r>
+            <a:r>
+              <a:rPr sz="4800" spc="-210" dirty="0">
+                <a:solidFill>
+                  <a:srgbClr val="ECEBE9"/>
+                </a:solidFill>
+                <a:latin typeface="Calibri"/>
+                <a:cs typeface="Calibri"/>
+              </a:rPr>
+              <a:t> </a:t>
+            </a:r>
+            <a:r>
+              <a:rPr sz="4800" spc="-30" dirty="0">
+                <a:solidFill>
+                  <a:srgbClr val="ECEBE9"/>
+                </a:solidFill>
+                <a:latin typeface="Calibri"/>
+                <a:cs typeface="Calibri"/>
+              </a:rPr>
+              <a:t>agentes</a:t>
+            </a:r>
+            <a:endParaRPr sz="4800" dirty="0">
+              <a:latin typeface="Calibri"/>
+              <a:cs typeface="Calibri"/>
+            </a:endParaRPr>
+          </a:p>
+          <a:p>
+            <a:pPr>
+              <a:lnSpc>
+                <a:spcPct val="100000"/>
+              </a:lnSpc>
+              <a:spcBef>
+                <a:spcPts val="30"/>
+              </a:spcBef>
+              <a:buClr>
+                <a:srgbClr val="ECEBE9"/>
+              </a:buClr>
+              <a:buFont typeface="Arial"/>
+              <a:buChar char="•"/>
+            </a:pPr>
+            <a:endParaRPr sz="4300" dirty="0">
+              <a:latin typeface="Calibri"/>
+              <a:cs typeface="Calibri"/>
+            </a:endParaRPr>
+          </a:p>
+          <a:p>
+            <a:pPr marL="699135" indent="-686435">
+              <a:lnSpc>
+                <a:spcPct val="100000"/>
+              </a:lnSpc>
+              <a:buFont typeface="Arial"/>
+              <a:buChar char="•"/>
+              <a:tabLst>
+                <a:tab pos="698500" algn="l"/>
+                <a:tab pos="699135" algn="l"/>
+              </a:tabLst>
+            </a:pPr>
+            <a:r>
+              <a:rPr sz="4800" spc="-15" dirty="0">
+                <a:solidFill>
+                  <a:srgbClr val="ECEBE9"/>
+                </a:solidFill>
+                <a:latin typeface="Calibri"/>
+                <a:cs typeface="Calibri"/>
+              </a:rPr>
+              <a:t>Prototipado</a:t>
+            </a:r>
+            <a:endParaRPr sz="4800" dirty="0">
+              <a:latin typeface="Calibri"/>
+              <a:cs typeface="Calibri"/>
+            </a:endParaRPr>
+          </a:p>
+        </p:txBody>
+      </p:sp>
+      <p:sp>
+        <p:nvSpPr>
+          <p:cNvPr id="8" name="object 8"/>
+          <p:cNvSpPr/>
+          <p:nvPr/>
+        </p:nvSpPr>
+        <p:spPr>
+          <a:xfrm>
+            <a:off x="3716080" y="3624313"/>
+            <a:ext cx="712470" cy="0"/>
+          </a:xfrm>
+          <a:custGeom>
+            <a:avLst/>
+            <a:gdLst/>
+            <a:ahLst/>
+            <a:cxnLst/>
+            <a:rect l="l" t="t" r="r" b="b"/>
+            <a:pathLst>
+              <a:path w="712470">
+                <a:moveTo>
+                  <a:pt x="0" y="0"/>
+                </a:moveTo>
+                <a:lnTo>
+                  <a:pt x="712182" y="0"/>
+                </a:lnTo>
+              </a:path>
+            </a:pathLst>
+          </a:custGeom>
+          <a:ln w="77818">
+            <a:solidFill>
+              <a:srgbClr val="000000"/>
+            </a:solidFill>
+          </a:ln>
+        </p:spPr>
+        <p:txBody>
+          <a:bodyPr wrap="square" lIns="0" tIns="0" rIns="0" bIns="0" rtlCol="0"/>
+          <a:lstStyle/>
+          <a:p>
+            <a:endParaRPr/>
+          </a:p>
+        </p:txBody>
+      </p:sp>
+      <p:sp>
+        <p:nvSpPr>
+          <p:cNvPr id="9" name="object 9"/>
+          <p:cNvSpPr/>
+          <p:nvPr/>
+        </p:nvSpPr>
+        <p:spPr>
+          <a:xfrm>
+            <a:off x="3750541" y="2710619"/>
+            <a:ext cx="0" cy="875030"/>
+          </a:xfrm>
+          <a:custGeom>
+            <a:avLst/>
+            <a:gdLst/>
+            <a:ahLst/>
+            <a:cxnLst/>
+            <a:rect l="l" t="t" r="r" b="b"/>
+            <a:pathLst>
+              <a:path h="875029">
+                <a:moveTo>
+                  <a:pt x="0" y="0"/>
+                </a:moveTo>
+                <a:lnTo>
+                  <a:pt x="0" y="874785"/>
+                </a:lnTo>
+              </a:path>
+            </a:pathLst>
+          </a:custGeom>
+          <a:ln w="68921">
+            <a:solidFill>
+              <a:srgbClr val="000000"/>
+            </a:solidFill>
+          </a:ln>
+        </p:spPr>
+        <p:txBody>
+          <a:bodyPr wrap="square" lIns="0" tIns="0" rIns="0" bIns="0" rtlCol="0"/>
+          <a:lstStyle/>
+          <a:p>
+            <a:endParaRPr/>
+          </a:p>
+        </p:txBody>
+      </p:sp>
+      <p:sp>
+        <p:nvSpPr>
+          <p:cNvPr id="10" name="object 10"/>
+          <p:cNvSpPr/>
+          <p:nvPr/>
+        </p:nvSpPr>
+        <p:spPr>
+          <a:xfrm>
+            <a:off x="3716080" y="2672380"/>
+            <a:ext cx="712470" cy="0"/>
+          </a:xfrm>
+          <a:custGeom>
+            <a:avLst/>
+            <a:gdLst/>
+            <a:ahLst/>
+            <a:cxnLst/>
+            <a:rect l="l" t="t" r="r" b="b"/>
+            <a:pathLst>
+              <a:path w="712470">
+                <a:moveTo>
+                  <a:pt x="0" y="0"/>
+                </a:moveTo>
+                <a:lnTo>
+                  <a:pt x="712182" y="0"/>
+                </a:lnTo>
+              </a:path>
+            </a:pathLst>
+          </a:custGeom>
+          <a:ln w="76476">
+            <a:solidFill>
+              <a:srgbClr val="000000"/>
+            </a:solidFill>
+          </a:ln>
+        </p:spPr>
+        <p:txBody>
+          <a:bodyPr wrap="square" lIns="0" tIns="0" rIns="0" bIns="0" rtlCol="0"/>
+          <a:lstStyle/>
+          <a:p>
+            <a:endParaRPr/>
+          </a:p>
+        </p:txBody>
+      </p:sp>
+      <p:sp>
+        <p:nvSpPr>
+          <p:cNvPr id="11" name="object 11"/>
+          <p:cNvSpPr/>
+          <p:nvPr/>
+        </p:nvSpPr>
+        <p:spPr>
+          <a:xfrm>
+            <a:off x="4393803" y="2710976"/>
+            <a:ext cx="0" cy="875030"/>
+          </a:xfrm>
+          <a:custGeom>
+            <a:avLst/>
+            <a:gdLst/>
+            <a:ahLst/>
+            <a:cxnLst/>
+            <a:rect l="l" t="t" r="r" b="b"/>
+            <a:pathLst>
+              <a:path h="875029">
+                <a:moveTo>
+                  <a:pt x="0" y="0"/>
+                </a:moveTo>
+                <a:lnTo>
+                  <a:pt x="0" y="874571"/>
+                </a:lnTo>
+              </a:path>
+            </a:pathLst>
+          </a:custGeom>
+          <a:ln w="68921">
+            <a:solidFill>
+              <a:srgbClr val="000000"/>
+            </a:solidFill>
+          </a:ln>
+        </p:spPr>
+        <p:txBody>
+          <a:bodyPr wrap="square" lIns="0" tIns="0" rIns="0" bIns="0" rtlCol="0"/>
+          <a:lstStyle/>
+          <a:p>
+            <a:endParaRPr/>
+          </a:p>
+        </p:txBody>
+      </p:sp>
+      <p:sp>
+        <p:nvSpPr>
+          <p:cNvPr id="12" name="object 12"/>
+          <p:cNvSpPr/>
+          <p:nvPr/>
+        </p:nvSpPr>
+        <p:spPr>
+          <a:xfrm>
+            <a:off x="4095145" y="2852451"/>
+            <a:ext cx="195580" cy="0"/>
+          </a:xfrm>
+          <a:custGeom>
+            <a:avLst/>
+            <a:gdLst/>
+            <a:ahLst/>
+            <a:cxnLst/>
+            <a:rect l="l" t="t" r="r" b="b"/>
+            <a:pathLst>
+              <a:path w="195579">
+                <a:moveTo>
+                  <a:pt x="0" y="0"/>
+                </a:moveTo>
+                <a:lnTo>
+                  <a:pt x="195275" y="0"/>
+                </a:lnTo>
+              </a:path>
+            </a:pathLst>
+          </a:custGeom>
+          <a:ln w="51445">
+            <a:solidFill>
+              <a:srgbClr val="000000"/>
+            </a:solidFill>
+          </a:ln>
+        </p:spPr>
+        <p:txBody>
+          <a:bodyPr wrap="square" lIns="0" tIns="0" rIns="0" bIns="0" rtlCol="0"/>
+          <a:lstStyle/>
+          <a:p>
+            <a:endParaRPr/>
+          </a:p>
+        </p:txBody>
+      </p:sp>
+      <p:sp>
+        <p:nvSpPr>
+          <p:cNvPr id="13" name="object 13"/>
+          <p:cNvSpPr/>
+          <p:nvPr/>
+        </p:nvSpPr>
+        <p:spPr>
+          <a:xfrm>
+            <a:off x="4095145" y="3058233"/>
+            <a:ext cx="195580" cy="0"/>
+          </a:xfrm>
+          <a:custGeom>
+            <a:avLst/>
+            <a:gdLst/>
+            <a:ahLst/>
+            <a:cxnLst/>
+            <a:rect l="l" t="t" r="r" b="b"/>
+            <a:pathLst>
+              <a:path w="195579">
+                <a:moveTo>
+                  <a:pt x="0" y="0"/>
+                </a:moveTo>
+                <a:lnTo>
+                  <a:pt x="195275" y="0"/>
+                </a:lnTo>
+              </a:path>
+            </a:pathLst>
+          </a:custGeom>
+          <a:ln w="51445">
+            <a:solidFill>
+              <a:srgbClr val="000000"/>
+            </a:solidFill>
+          </a:ln>
+        </p:spPr>
+        <p:txBody>
+          <a:bodyPr wrap="square" lIns="0" tIns="0" rIns="0" bIns="0" rtlCol="0"/>
+          <a:lstStyle/>
+          <a:p>
+            <a:endParaRPr/>
+          </a:p>
+        </p:txBody>
+      </p:sp>
+      <p:sp>
+        <p:nvSpPr>
+          <p:cNvPr id="14" name="object 14"/>
+          <p:cNvSpPr/>
+          <p:nvPr/>
+        </p:nvSpPr>
+        <p:spPr>
+          <a:xfrm>
+            <a:off x="4095145" y="3469795"/>
+            <a:ext cx="195580" cy="0"/>
+          </a:xfrm>
+          <a:custGeom>
+            <a:avLst/>
+            <a:gdLst/>
+            <a:ahLst/>
+            <a:cxnLst/>
+            <a:rect l="l" t="t" r="r" b="b"/>
+            <a:pathLst>
+              <a:path w="195579">
+                <a:moveTo>
+                  <a:pt x="0" y="0"/>
+                </a:moveTo>
+                <a:lnTo>
+                  <a:pt x="195275" y="0"/>
+                </a:lnTo>
+              </a:path>
+            </a:pathLst>
+          </a:custGeom>
+          <a:ln w="51445">
+            <a:solidFill>
+              <a:srgbClr val="000000"/>
+            </a:solidFill>
+          </a:ln>
+        </p:spPr>
+        <p:txBody>
+          <a:bodyPr wrap="square" lIns="0" tIns="0" rIns="0" bIns="0" rtlCol="0"/>
+          <a:lstStyle/>
+          <a:p>
+            <a:endParaRPr/>
+          </a:p>
+        </p:txBody>
+      </p:sp>
+      <p:sp>
+        <p:nvSpPr>
+          <p:cNvPr id="15" name="object 15"/>
+          <p:cNvSpPr/>
+          <p:nvPr/>
+        </p:nvSpPr>
+        <p:spPr>
+          <a:xfrm>
+            <a:off x="4095145" y="3264014"/>
+            <a:ext cx="195580" cy="0"/>
+          </a:xfrm>
+          <a:custGeom>
+            <a:avLst/>
+            <a:gdLst/>
+            <a:ahLst/>
+            <a:cxnLst/>
+            <a:rect l="l" t="t" r="r" b="b"/>
+            <a:pathLst>
+              <a:path w="195579">
+                <a:moveTo>
+                  <a:pt x="0" y="0"/>
+                </a:moveTo>
+                <a:lnTo>
+                  <a:pt x="195275" y="0"/>
+                </a:lnTo>
+              </a:path>
+            </a:pathLst>
+          </a:custGeom>
+          <a:ln w="51445">
+            <a:solidFill>
+              <a:srgbClr val="000000"/>
+            </a:solidFill>
+          </a:ln>
+        </p:spPr>
+        <p:txBody>
+          <a:bodyPr wrap="square" lIns="0" tIns="0" rIns="0" bIns="0" rtlCol="0"/>
+          <a:lstStyle/>
+          <a:p>
+            <a:endParaRPr/>
+          </a:p>
+        </p:txBody>
+      </p:sp>
+      <p:sp>
+        <p:nvSpPr>
+          <p:cNvPr id="16" name="object 16"/>
+          <p:cNvSpPr/>
+          <p:nvPr/>
+        </p:nvSpPr>
+        <p:spPr>
+          <a:xfrm>
+            <a:off x="3853922" y="2762422"/>
+            <a:ext cx="170004" cy="156908"/>
           </a:xfrm>
           <a:prstGeom prst="rect">
             <a:avLst/>
@@ -6740,18 +6059,688 @@
       </p:sp>
       <p:sp>
         <p:nvSpPr>
-          <p:cNvPr id="4" name="object 4"/>
-          <p:cNvSpPr txBox="1">
-            <a:spLocks noGrp="1"/>
-          </p:cNvSpPr>
-          <p:nvPr>
-            <p:ph type="title"/>
-          </p:nvPr>
-        </p:nvSpPr>
-        <p:spPr>
-          <a:xfrm>
-            <a:off x="4679569" y="314960"/>
-            <a:ext cx="2751455" cy="575310"/>
+          <p:cNvPr id="17" name="object 17"/>
+          <p:cNvSpPr/>
+          <p:nvPr/>
+        </p:nvSpPr>
+        <p:spPr>
+          <a:xfrm>
+            <a:off x="3853922" y="3173985"/>
+            <a:ext cx="170004" cy="156908"/>
+          </a:xfrm>
+          <a:prstGeom prst="rect">
+            <a:avLst/>
+          </a:prstGeom>
+          <a:blipFill>
+            <a:blip r:embed="rId3" cstate="print"/>
+            <a:stretch>
+              <a:fillRect/>
+            </a:stretch>
+          </a:blipFill>
+        </p:spPr>
+        <p:txBody>
+          <a:bodyPr wrap="square" lIns="0" tIns="0" rIns="0" bIns="0" rtlCol="0"/>
+          <a:lstStyle/>
+          <a:p>
+            <a:endParaRPr/>
+          </a:p>
+        </p:txBody>
+      </p:sp>
+      <p:sp>
+        <p:nvSpPr>
+          <p:cNvPr id="18" name="object 18"/>
+          <p:cNvSpPr/>
+          <p:nvPr/>
+        </p:nvSpPr>
+        <p:spPr>
+          <a:xfrm>
+            <a:off x="3853922" y="2968203"/>
+            <a:ext cx="170004" cy="156908"/>
+          </a:xfrm>
+          <a:prstGeom prst="rect">
+            <a:avLst/>
+          </a:prstGeom>
+          <a:blipFill>
+            <a:blip r:embed="rId3" cstate="print"/>
+            <a:stretch>
+              <a:fillRect/>
+            </a:stretch>
+          </a:blipFill>
+        </p:spPr>
+        <p:txBody>
+          <a:bodyPr wrap="square" lIns="0" tIns="0" rIns="0" bIns="0" rtlCol="0"/>
+          <a:lstStyle/>
+          <a:p>
+            <a:endParaRPr/>
+          </a:p>
+        </p:txBody>
+      </p:sp>
+      <p:sp>
+        <p:nvSpPr>
+          <p:cNvPr id="19" name="object 19"/>
+          <p:cNvSpPr/>
+          <p:nvPr/>
+        </p:nvSpPr>
+        <p:spPr>
+          <a:xfrm>
+            <a:off x="3853922" y="3377194"/>
+            <a:ext cx="170004" cy="156908"/>
+          </a:xfrm>
+          <a:prstGeom prst="rect">
+            <a:avLst/>
+          </a:prstGeom>
+          <a:blipFill>
+            <a:blip r:embed="rId3" cstate="print"/>
+            <a:stretch>
+              <a:fillRect/>
+            </a:stretch>
+          </a:blipFill>
+        </p:spPr>
+        <p:txBody>
+          <a:bodyPr wrap="square" lIns="0" tIns="0" rIns="0" bIns="0" rtlCol="0"/>
+          <a:lstStyle/>
+          <a:p>
+            <a:endParaRPr/>
+          </a:p>
+        </p:txBody>
+      </p:sp>
+      <p:sp>
+        <p:nvSpPr>
+          <p:cNvPr id="20" name="object 20"/>
+          <p:cNvSpPr/>
+          <p:nvPr/>
+        </p:nvSpPr>
+        <p:spPr>
+          <a:xfrm>
+            <a:off x="6402401" y="4054285"/>
+            <a:ext cx="276225" cy="412115"/>
+          </a:xfrm>
+          <a:custGeom>
+            <a:avLst/>
+            <a:gdLst/>
+            <a:ahLst/>
+            <a:cxnLst/>
+            <a:rect l="l" t="t" r="r" b="b"/>
+            <a:pathLst>
+              <a:path w="276225" h="412114">
+                <a:moveTo>
+                  <a:pt x="130543" y="0"/>
+                </a:moveTo>
+                <a:lnTo>
+                  <a:pt x="81403" y="10247"/>
+                </a:lnTo>
+                <a:lnTo>
+                  <a:pt x="43086" y="33397"/>
+                </a:lnTo>
+                <a:lnTo>
+                  <a:pt x="15622" y="68123"/>
+                </a:lnTo>
+                <a:lnTo>
+                  <a:pt x="0" y="122944"/>
+                </a:lnTo>
+                <a:lnTo>
+                  <a:pt x="1377" y="151139"/>
+                </a:lnTo>
+                <a:lnTo>
+                  <a:pt x="72193" y="312488"/>
+                </a:lnTo>
+                <a:lnTo>
+                  <a:pt x="114293" y="397373"/>
+                </a:lnTo>
+                <a:lnTo>
+                  <a:pt x="137974" y="411521"/>
+                </a:lnTo>
+                <a:lnTo>
+                  <a:pt x="145559" y="410576"/>
+                </a:lnTo>
+                <a:lnTo>
+                  <a:pt x="203754" y="312488"/>
+                </a:lnTo>
+                <a:lnTo>
+                  <a:pt x="262611" y="189020"/>
+                </a:lnTo>
+                <a:lnTo>
+                  <a:pt x="137974" y="189019"/>
+                </a:lnTo>
+                <a:lnTo>
+                  <a:pt x="115629" y="184498"/>
+                </a:lnTo>
+                <a:lnTo>
+                  <a:pt x="97354" y="172139"/>
+                </a:lnTo>
+                <a:lnTo>
+                  <a:pt x="85247" y="153751"/>
+                </a:lnTo>
+                <a:lnTo>
+                  <a:pt x="81403" y="131143"/>
+                </a:lnTo>
+                <a:lnTo>
+                  <a:pt x="86007" y="109279"/>
+                </a:lnTo>
+                <a:lnTo>
+                  <a:pt x="98506" y="91273"/>
+                </a:lnTo>
+                <a:lnTo>
+                  <a:pt x="116924" y="79055"/>
+                </a:lnTo>
+                <a:lnTo>
+                  <a:pt x="139289" y="74554"/>
+                </a:lnTo>
+                <a:lnTo>
+                  <a:pt x="260857" y="74554"/>
+                </a:lnTo>
+                <a:lnTo>
+                  <a:pt x="247851" y="51498"/>
+                </a:lnTo>
+                <a:lnTo>
+                  <a:pt x="216252" y="22947"/>
+                </a:lnTo>
+                <a:lnTo>
+                  <a:pt x="176321" y="5007"/>
+                </a:lnTo>
+                <a:lnTo>
+                  <a:pt x="130543" y="0"/>
+                </a:lnTo>
+                <a:close/>
+              </a:path>
+              <a:path w="276225" h="412114">
+                <a:moveTo>
+                  <a:pt x="260857" y="74554"/>
+                </a:moveTo>
+                <a:lnTo>
+                  <a:pt x="139289" y="74554"/>
+                </a:lnTo>
+                <a:lnTo>
+                  <a:pt x="161655" y="79055"/>
+                </a:lnTo>
+                <a:lnTo>
+                  <a:pt x="180073" y="91273"/>
+                </a:lnTo>
+                <a:lnTo>
+                  <a:pt x="192571" y="109279"/>
+                </a:lnTo>
+                <a:lnTo>
+                  <a:pt x="197176" y="131143"/>
+                </a:lnTo>
+                <a:lnTo>
+                  <a:pt x="195984" y="142437"/>
+                </a:lnTo>
+                <a:lnTo>
+                  <a:pt x="170684" y="178730"/>
+                </a:lnTo>
+                <a:lnTo>
+                  <a:pt x="137974" y="189019"/>
+                </a:lnTo>
+                <a:lnTo>
+                  <a:pt x="262611" y="189020"/>
+                </a:lnTo>
+                <a:lnTo>
+                  <a:pt x="275598" y="143663"/>
+                </a:lnTo>
+                <a:lnTo>
+                  <a:pt x="276112" y="131143"/>
+                </a:lnTo>
+                <a:lnTo>
+                  <a:pt x="268633" y="88338"/>
+                </a:lnTo>
+                <a:lnTo>
+                  <a:pt x="260857" y="74554"/>
+                </a:lnTo>
+                <a:close/>
+              </a:path>
+            </a:pathLst>
+          </a:custGeom>
+          <a:solidFill>
+            <a:srgbClr val="000000"/>
+          </a:solidFill>
+        </p:spPr>
+        <p:txBody>
+          <a:bodyPr wrap="square" lIns="0" tIns="0" rIns="0" bIns="0" rtlCol="0"/>
+          <a:lstStyle/>
+          <a:p>
+            <a:endParaRPr/>
+          </a:p>
+        </p:txBody>
+      </p:sp>
+      <p:sp>
+        <p:nvSpPr>
+          <p:cNvPr id="21" name="object 21"/>
+          <p:cNvSpPr/>
+          <p:nvPr/>
+        </p:nvSpPr>
+        <p:spPr>
+          <a:xfrm>
+            <a:off x="5751008" y="4169995"/>
+            <a:ext cx="1052830" cy="720725"/>
+          </a:xfrm>
+          <a:custGeom>
+            <a:avLst/>
+            <a:gdLst/>
+            <a:ahLst/>
+            <a:cxnLst/>
+            <a:rect l="l" t="t" r="r" b="b"/>
+            <a:pathLst>
+              <a:path w="1052829" h="720725">
+                <a:moveTo>
+                  <a:pt x="263124" y="0"/>
+                </a:moveTo>
+                <a:lnTo>
+                  <a:pt x="0" y="128613"/>
+                </a:lnTo>
+                <a:lnTo>
+                  <a:pt x="0" y="720234"/>
+                </a:lnTo>
+                <a:lnTo>
+                  <a:pt x="255231" y="595479"/>
+                </a:lnTo>
+                <a:lnTo>
+                  <a:pt x="78940" y="595479"/>
+                </a:lnTo>
+                <a:lnTo>
+                  <a:pt x="78939" y="176200"/>
+                </a:lnTo>
+                <a:lnTo>
+                  <a:pt x="236812" y="99032"/>
+                </a:lnTo>
+                <a:lnTo>
+                  <a:pt x="465728" y="99032"/>
+                </a:lnTo>
+                <a:lnTo>
+                  <a:pt x="263124" y="0"/>
+                </a:lnTo>
+                <a:close/>
+              </a:path>
+              <a:path w="1052829" h="720725">
+                <a:moveTo>
+                  <a:pt x="439416" y="591621"/>
+                </a:moveTo>
+                <a:lnTo>
+                  <a:pt x="263124" y="591621"/>
+                </a:lnTo>
+                <a:lnTo>
+                  <a:pt x="526246" y="720234"/>
+                </a:lnTo>
+                <a:lnTo>
+                  <a:pt x="728849" y="621202"/>
+                </a:lnTo>
+                <a:lnTo>
+                  <a:pt x="499934" y="621202"/>
+                </a:lnTo>
+                <a:lnTo>
+                  <a:pt x="439416" y="591621"/>
+                </a:lnTo>
+                <a:close/>
+              </a:path>
+              <a:path w="1052829" h="720725">
+                <a:moveTo>
+                  <a:pt x="965658" y="591621"/>
+                </a:moveTo>
+                <a:lnTo>
+                  <a:pt x="789367" y="591621"/>
+                </a:lnTo>
+                <a:lnTo>
+                  <a:pt x="1052488" y="720235"/>
+                </a:lnTo>
+                <a:lnTo>
+                  <a:pt x="1052488" y="595480"/>
+                </a:lnTo>
+                <a:lnTo>
+                  <a:pt x="973552" y="595480"/>
+                </a:lnTo>
+                <a:lnTo>
+                  <a:pt x="965658" y="591621"/>
+                </a:lnTo>
+                <a:close/>
+              </a:path>
+              <a:path w="1052829" h="720725">
+                <a:moveTo>
+                  <a:pt x="465728" y="99032"/>
+                </a:moveTo>
+                <a:lnTo>
+                  <a:pt x="289436" y="99032"/>
+                </a:lnTo>
+                <a:lnTo>
+                  <a:pt x="499933" y="201923"/>
+                </a:lnTo>
+                <a:lnTo>
+                  <a:pt x="499934" y="621202"/>
+                </a:lnTo>
+                <a:lnTo>
+                  <a:pt x="552558" y="621202"/>
+                </a:lnTo>
+                <a:lnTo>
+                  <a:pt x="552558" y="201923"/>
+                </a:lnTo>
+                <a:lnTo>
+                  <a:pt x="645966" y="155622"/>
+                </a:lnTo>
+                <a:lnTo>
+                  <a:pt x="633175" y="128613"/>
+                </a:lnTo>
+                <a:lnTo>
+                  <a:pt x="526245" y="128613"/>
+                </a:lnTo>
+                <a:lnTo>
+                  <a:pt x="465728" y="99032"/>
+                </a:lnTo>
+                <a:close/>
+              </a:path>
+              <a:path w="1052829" h="720725">
+                <a:moveTo>
+                  <a:pt x="815679" y="347256"/>
+                </a:moveTo>
+                <a:lnTo>
+                  <a:pt x="763055" y="347256"/>
+                </a:lnTo>
+                <a:lnTo>
+                  <a:pt x="763055" y="518311"/>
+                </a:lnTo>
+                <a:lnTo>
+                  <a:pt x="552558" y="621202"/>
+                </a:lnTo>
+                <a:lnTo>
+                  <a:pt x="728849" y="621202"/>
+                </a:lnTo>
+                <a:lnTo>
+                  <a:pt x="789367" y="591621"/>
+                </a:lnTo>
+                <a:lnTo>
+                  <a:pt x="965658" y="591621"/>
+                </a:lnTo>
+                <a:lnTo>
+                  <a:pt x="815679" y="518312"/>
+                </a:lnTo>
+                <a:lnTo>
+                  <a:pt x="815679" y="347256"/>
+                </a:lnTo>
+                <a:close/>
+              </a:path>
+              <a:path w="1052829" h="720725">
+                <a:moveTo>
+                  <a:pt x="289436" y="99032"/>
+                </a:moveTo>
+                <a:lnTo>
+                  <a:pt x="236812" y="99032"/>
+                </a:lnTo>
+                <a:lnTo>
+                  <a:pt x="236812" y="518311"/>
+                </a:lnTo>
+                <a:lnTo>
+                  <a:pt x="78940" y="595479"/>
+                </a:lnTo>
+                <a:lnTo>
+                  <a:pt x="255231" y="595479"/>
+                </a:lnTo>
+                <a:lnTo>
+                  <a:pt x="263124" y="591621"/>
+                </a:lnTo>
+                <a:lnTo>
+                  <a:pt x="439416" y="591621"/>
+                </a:lnTo>
+                <a:lnTo>
+                  <a:pt x="289436" y="518311"/>
+                </a:lnTo>
+                <a:lnTo>
+                  <a:pt x="289436" y="99032"/>
+                </a:lnTo>
+                <a:close/>
+              </a:path>
+              <a:path w="1052829" h="720725">
+                <a:moveTo>
+                  <a:pt x="965658" y="86171"/>
+                </a:moveTo>
+                <a:lnTo>
+                  <a:pt x="932768" y="155622"/>
+                </a:lnTo>
+                <a:lnTo>
+                  <a:pt x="973552" y="176200"/>
+                </a:lnTo>
+                <a:lnTo>
+                  <a:pt x="973552" y="595480"/>
+                </a:lnTo>
+                <a:lnTo>
+                  <a:pt x="1052488" y="595480"/>
+                </a:lnTo>
+                <a:lnTo>
+                  <a:pt x="1052488" y="128613"/>
+                </a:lnTo>
+                <a:lnTo>
+                  <a:pt x="965658" y="86171"/>
+                </a:lnTo>
+                <a:close/>
+              </a:path>
+              <a:path w="1052829" h="720725">
+                <a:moveTo>
+                  <a:pt x="613075" y="86171"/>
+                </a:moveTo>
+                <a:lnTo>
+                  <a:pt x="526245" y="128613"/>
+                </a:lnTo>
+                <a:lnTo>
+                  <a:pt x="633175" y="128613"/>
+                </a:lnTo>
+                <a:lnTo>
+                  <a:pt x="613075" y="86171"/>
+                </a:lnTo>
+                <a:close/>
+              </a:path>
+            </a:pathLst>
+          </a:custGeom>
+          <a:solidFill>
+            <a:srgbClr val="000000"/>
+          </a:solidFill>
+        </p:spPr>
+        <p:txBody>
+          <a:bodyPr wrap="square" lIns="0" tIns="0" rIns="0" bIns="0" rtlCol="0"/>
+          <a:lstStyle/>
+          <a:p>
+            <a:endParaRPr/>
+          </a:p>
+        </p:txBody>
+      </p:sp>
+      <p:sp>
+        <p:nvSpPr>
+          <p:cNvPr id="22" name="object 22"/>
+          <p:cNvSpPr/>
+          <p:nvPr/>
+        </p:nvSpPr>
+        <p:spPr>
+          <a:xfrm>
+            <a:off x="4471314" y="5574727"/>
+            <a:ext cx="1021715" cy="814705"/>
+          </a:xfrm>
+          <a:custGeom>
+            <a:avLst/>
+            <a:gdLst/>
+            <a:ahLst/>
+            <a:cxnLst/>
+            <a:rect l="l" t="t" r="r" b="b"/>
+            <a:pathLst>
+              <a:path w="1021714" h="814704">
+                <a:moveTo>
+                  <a:pt x="740313" y="742590"/>
+                </a:moveTo>
+                <a:lnTo>
+                  <a:pt x="280810" y="742590"/>
+                </a:lnTo>
+                <a:lnTo>
+                  <a:pt x="280810" y="814454"/>
+                </a:lnTo>
+                <a:lnTo>
+                  <a:pt x="740313" y="814454"/>
+                </a:lnTo>
+                <a:lnTo>
+                  <a:pt x="740313" y="742590"/>
+                </a:lnTo>
+                <a:close/>
+              </a:path>
+              <a:path w="1021714" h="814704">
+                <a:moveTo>
+                  <a:pt x="612673" y="670727"/>
+                </a:moveTo>
+                <a:lnTo>
+                  <a:pt x="408450" y="670727"/>
+                </a:lnTo>
+                <a:lnTo>
+                  <a:pt x="408450" y="742590"/>
+                </a:lnTo>
+                <a:lnTo>
+                  <a:pt x="612673" y="742590"/>
+                </a:lnTo>
+                <a:lnTo>
+                  <a:pt x="612673" y="670727"/>
+                </a:lnTo>
+                <a:close/>
+              </a:path>
+              <a:path w="1021714" h="814704">
+                <a:moveTo>
+                  <a:pt x="970064" y="0"/>
+                </a:moveTo>
+                <a:lnTo>
+                  <a:pt x="51055" y="0"/>
+                </a:lnTo>
+                <a:lnTo>
+                  <a:pt x="31231" y="3780"/>
+                </a:lnTo>
+                <a:lnTo>
+                  <a:pt x="14997" y="14073"/>
+                </a:lnTo>
+                <a:lnTo>
+                  <a:pt x="4028" y="29306"/>
+                </a:lnTo>
+                <a:lnTo>
+                  <a:pt x="0" y="47909"/>
+                </a:lnTo>
+                <a:lnTo>
+                  <a:pt x="0" y="622818"/>
+                </a:lnTo>
+                <a:lnTo>
+                  <a:pt x="4028" y="641420"/>
+                </a:lnTo>
+                <a:lnTo>
+                  <a:pt x="14997" y="656654"/>
+                </a:lnTo>
+                <a:lnTo>
+                  <a:pt x="31232" y="666947"/>
+                </a:lnTo>
+                <a:lnTo>
+                  <a:pt x="51056" y="670727"/>
+                </a:lnTo>
+                <a:lnTo>
+                  <a:pt x="970064" y="670727"/>
+                </a:lnTo>
+                <a:lnTo>
+                  <a:pt x="989888" y="666947"/>
+                </a:lnTo>
+                <a:lnTo>
+                  <a:pt x="1006122" y="656654"/>
+                </a:lnTo>
+                <a:lnTo>
+                  <a:pt x="1017091" y="641420"/>
+                </a:lnTo>
+                <a:lnTo>
+                  <a:pt x="1021120" y="622818"/>
+                </a:lnTo>
+                <a:lnTo>
+                  <a:pt x="1021120" y="598863"/>
+                </a:lnTo>
+                <a:lnTo>
+                  <a:pt x="76587" y="598863"/>
+                </a:lnTo>
+                <a:lnTo>
+                  <a:pt x="76587" y="71863"/>
+                </a:lnTo>
+                <a:lnTo>
+                  <a:pt x="1021120" y="71863"/>
+                </a:lnTo>
+                <a:lnTo>
+                  <a:pt x="1021120" y="47909"/>
+                </a:lnTo>
+                <a:lnTo>
+                  <a:pt x="1017091" y="29306"/>
+                </a:lnTo>
+                <a:lnTo>
+                  <a:pt x="1006122" y="14073"/>
+                </a:lnTo>
+                <a:lnTo>
+                  <a:pt x="989888" y="3780"/>
+                </a:lnTo>
+                <a:lnTo>
+                  <a:pt x="970064" y="0"/>
+                </a:lnTo>
+                <a:close/>
+              </a:path>
+              <a:path w="1021714" h="814704">
+                <a:moveTo>
+                  <a:pt x="1021120" y="71863"/>
+                </a:moveTo>
+                <a:lnTo>
+                  <a:pt x="944536" y="71863"/>
+                </a:lnTo>
+                <a:lnTo>
+                  <a:pt x="944536" y="598863"/>
+                </a:lnTo>
+                <a:lnTo>
+                  <a:pt x="1021120" y="598863"/>
+                </a:lnTo>
+                <a:lnTo>
+                  <a:pt x="1021120" y="71863"/>
+                </a:lnTo>
+                <a:close/>
+              </a:path>
+            </a:pathLst>
+          </a:custGeom>
+          <a:solidFill>
+            <a:srgbClr val="000000"/>
+          </a:solidFill>
+        </p:spPr>
+        <p:txBody>
+          <a:bodyPr wrap="square" lIns="0" tIns="0" rIns="0" bIns="0" rtlCol="0"/>
+          <a:lstStyle/>
+          <a:p>
+            <a:endParaRPr/>
+          </a:p>
+        </p:txBody>
+      </p:sp>
+      <p:sp>
+        <p:nvSpPr>
+          <p:cNvPr id="23" name="object 23"/>
+          <p:cNvSpPr/>
+          <p:nvPr/>
+        </p:nvSpPr>
+        <p:spPr>
+          <a:xfrm>
+            <a:off x="10629900" y="19050"/>
+            <a:ext cx="1562100" cy="1666875"/>
+          </a:xfrm>
+          <a:prstGeom prst="rect">
+            <a:avLst/>
+          </a:prstGeom>
+          <a:blipFill>
+            <a:blip r:embed="rId4" cstate="print"/>
+            <a:stretch>
+              <a:fillRect/>
+            </a:stretch>
+          </a:blipFill>
+        </p:spPr>
+        <p:txBody>
+          <a:bodyPr wrap="square" lIns="0" tIns="0" rIns="0" bIns="0" rtlCol="0"/>
+          <a:lstStyle/>
+          <a:p>
+            <a:endParaRPr/>
+          </a:p>
+        </p:txBody>
+      </p:sp>
+      <p:sp>
+        <p:nvSpPr>
+          <p:cNvPr id="24" name="object 24"/>
+          <p:cNvSpPr txBox="1"/>
+          <p:nvPr/>
+        </p:nvSpPr>
+        <p:spPr>
+          <a:xfrm>
+            <a:off x="5843015" y="2735580"/>
+            <a:ext cx="3661410" cy="758190"/>
           </a:xfrm>
           <a:prstGeom prst="rect">
             <a:avLst/>
@@ -6763,71 +6752,679 @@
           </a:bodyPr>
           <a:lstStyle/>
           <a:p>
-            <a:pPr marL="12700">
+            <a:pPr marL="698500" indent="-686435">
               <a:lnSpc>
                 <a:spcPct val="100000"/>
               </a:lnSpc>
               <a:spcBef>
                 <a:spcPts val="105"/>
               </a:spcBef>
+              <a:buFont typeface="Arial"/>
+              <a:buChar char="•"/>
+              <a:tabLst>
+                <a:tab pos="698500" algn="l"/>
+                <a:tab pos="699135" algn="l"/>
+              </a:tabLst>
             </a:pPr>
             <a:r>
-              <a:rPr sz="3600" b="0" dirty="0">
+              <a:rPr sz="4800" spc="-30" dirty="0">
+                <a:solidFill>
+                  <a:srgbClr val="FFFFFF"/>
+                </a:solidFill>
                 <a:latin typeface="Calibri"/>
                 <a:cs typeface="Calibri"/>
               </a:rPr>
               <a:t>N</a:t>
             </a:r>
             <a:r>
-              <a:rPr sz="3600" b="0" spc="-35" dirty="0">
-                <a:latin typeface="Calibri"/>
-                <a:cs typeface="Calibri"/>
-              </a:rPr>
-              <a:t>E</a:t>
-            </a:r>
-            <a:r>
-              <a:rPr sz="3600" b="0" spc="-30" dirty="0">
-                <a:latin typeface="Calibri"/>
-                <a:cs typeface="Calibri"/>
-              </a:rPr>
-              <a:t>T</a:t>
-            </a:r>
-            <a:r>
-              <a:rPr sz="3600" b="0" dirty="0">
-                <a:latin typeface="Calibri"/>
-                <a:cs typeface="Calibri"/>
-              </a:rPr>
-              <a:t>N</a:t>
-            </a:r>
-            <a:r>
-              <a:rPr sz="3600" b="0" spc="10" dirty="0">
-                <a:latin typeface="Calibri"/>
-                <a:cs typeface="Calibri"/>
-              </a:rPr>
-              <a:t>O</a:t>
-            </a:r>
-            <a:r>
-              <a:rPr sz="3600" b="0" spc="-25" dirty="0">
-                <a:latin typeface="Calibri"/>
-                <a:cs typeface="Calibri"/>
-              </a:rPr>
-              <a:t>G</a:t>
-            </a:r>
-            <a:r>
-              <a:rPr sz="3600" b="0" dirty="0">
-                <a:latin typeface="Calibri"/>
-                <a:cs typeface="Calibri"/>
-              </a:rPr>
-              <a:t>RAFIA</a:t>
-            </a:r>
-            <a:endParaRPr sz="3600">
+              <a:rPr sz="4800" dirty="0">
+                <a:solidFill>
+                  <a:srgbClr val="FFFFFF"/>
+                </a:solidFill>
+                <a:latin typeface="Calibri"/>
+                <a:cs typeface="Calibri"/>
+              </a:rPr>
+              <a:t>e</a:t>
+            </a:r>
+            <a:r>
+              <a:rPr sz="4800" spc="-25" dirty="0">
+                <a:solidFill>
+                  <a:srgbClr val="FFFFFF"/>
+                </a:solidFill>
+                <a:latin typeface="Calibri"/>
+                <a:cs typeface="Calibri"/>
+              </a:rPr>
+              <a:t>t</a:t>
+            </a:r>
+            <a:r>
+              <a:rPr sz="4800" spc="20" dirty="0">
+                <a:solidFill>
+                  <a:srgbClr val="FFFFFF"/>
+                </a:solidFill>
+                <a:latin typeface="Calibri"/>
+                <a:cs typeface="Calibri"/>
+              </a:rPr>
+              <a:t>n</a:t>
+            </a:r>
+            <a:r>
+              <a:rPr sz="4800" spc="10" dirty="0">
+                <a:solidFill>
+                  <a:srgbClr val="FFFFFF"/>
+                </a:solidFill>
+                <a:latin typeface="Calibri"/>
+                <a:cs typeface="Calibri"/>
+              </a:rPr>
+              <a:t>o</a:t>
+            </a:r>
+            <a:r>
+              <a:rPr sz="4800" dirty="0">
+                <a:solidFill>
+                  <a:srgbClr val="FFFFFF"/>
+                </a:solidFill>
+                <a:latin typeface="Calibri"/>
+                <a:cs typeface="Calibri"/>
+              </a:rPr>
+              <a:t>g</a:t>
+            </a:r>
+            <a:r>
+              <a:rPr sz="4800" spc="-110" dirty="0">
+                <a:solidFill>
+                  <a:srgbClr val="FFFFFF"/>
+                </a:solidFill>
+                <a:latin typeface="Calibri"/>
+                <a:cs typeface="Calibri"/>
+              </a:rPr>
+              <a:t>r</a:t>
+            </a:r>
+            <a:r>
+              <a:rPr sz="4800" spc="15" dirty="0">
+                <a:solidFill>
+                  <a:srgbClr val="FFFFFF"/>
+                </a:solidFill>
+                <a:latin typeface="Calibri"/>
+                <a:cs typeface="Calibri"/>
+              </a:rPr>
+              <a:t>a</a:t>
+            </a:r>
+            <a:r>
+              <a:rPr sz="4800" spc="30" dirty="0">
+                <a:solidFill>
+                  <a:srgbClr val="FFFFFF"/>
+                </a:solidFill>
+                <a:latin typeface="Calibri"/>
+                <a:cs typeface="Calibri"/>
+              </a:rPr>
+              <a:t>f</a:t>
+            </a:r>
+            <a:r>
+              <a:rPr sz="4800" spc="20" dirty="0">
+                <a:solidFill>
+                  <a:srgbClr val="FFFFFF"/>
+                </a:solidFill>
+                <a:latin typeface="Calibri"/>
+                <a:cs typeface="Calibri"/>
+              </a:rPr>
+              <a:t>í</a:t>
+            </a:r>
+            <a:r>
+              <a:rPr sz="4800" dirty="0">
+                <a:solidFill>
+                  <a:srgbClr val="FFFFFF"/>
+                </a:solidFill>
+                <a:latin typeface="Calibri"/>
+                <a:cs typeface="Calibri"/>
+              </a:rPr>
+              <a:t>a</a:t>
+            </a:r>
+            <a:endParaRPr sz="4800" dirty="0">
               <a:latin typeface="Calibri"/>
               <a:cs typeface="Calibri"/>
             </a:endParaRPr>
           </a:p>
         </p:txBody>
       </p:sp>
+      <p:sp>
+        <p:nvSpPr>
+          <p:cNvPr id="25" name="object 25"/>
+          <p:cNvSpPr/>
+          <p:nvPr/>
+        </p:nvSpPr>
+        <p:spPr>
+          <a:xfrm>
+            <a:off x="9839623" y="3709532"/>
+            <a:ext cx="809625" cy="0"/>
+          </a:xfrm>
+          <a:custGeom>
+            <a:avLst/>
+            <a:gdLst/>
+            <a:ahLst/>
+            <a:cxnLst/>
+            <a:rect l="l" t="t" r="r" b="b"/>
+            <a:pathLst>
+              <a:path w="809625">
+                <a:moveTo>
+                  <a:pt x="0" y="0"/>
+                </a:moveTo>
+                <a:lnTo>
+                  <a:pt x="809598" y="0"/>
+                </a:lnTo>
+              </a:path>
+            </a:pathLst>
+          </a:custGeom>
+          <a:ln w="76882">
+            <a:solidFill>
+              <a:srgbClr val="000000"/>
+            </a:solidFill>
+          </a:ln>
+        </p:spPr>
+        <p:txBody>
+          <a:bodyPr wrap="square" lIns="0" tIns="0" rIns="0" bIns="0" rtlCol="0"/>
+          <a:lstStyle/>
+          <a:p>
+            <a:endParaRPr/>
+          </a:p>
+        </p:txBody>
+      </p:sp>
+      <p:sp>
+        <p:nvSpPr>
+          <p:cNvPr id="26" name="object 26"/>
+          <p:cNvSpPr/>
+          <p:nvPr/>
+        </p:nvSpPr>
+        <p:spPr>
+          <a:xfrm>
+            <a:off x="9878797" y="2796400"/>
+            <a:ext cx="0" cy="875030"/>
+          </a:xfrm>
+          <a:custGeom>
+            <a:avLst/>
+            <a:gdLst/>
+            <a:ahLst/>
+            <a:cxnLst/>
+            <a:rect l="l" t="t" r="r" b="b"/>
+            <a:pathLst>
+              <a:path h="875029">
+                <a:moveTo>
+                  <a:pt x="0" y="0"/>
+                </a:moveTo>
+                <a:lnTo>
+                  <a:pt x="0" y="874691"/>
+                </a:lnTo>
+              </a:path>
+            </a:pathLst>
+          </a:custGeom>
+          <a:ln w="78348">
+            <a:solidFill>
+              <a:srgbClr val="000000"/>
+            </a:solidFill>
+          </a:ln>
+        </p:spPr>
+        <p:txBody>
+          <a:bodyPr wrap="square" lIns="0" tIns="0" rIns="0" bIns="0" rtlCol="0"/>
+          <a:lstStyle/>
+          <a:p>
+            <a:endParaRPr/>
+          </a:p>
+        </p:txBody>
+      </p:sp>
+      <p:sp>
+        <p:nvSpPr>
+          <p:cNvPr id="27" name="object 27"/>
+          <p:cNvSpPr/>
+          <p:nvPr/>
+        </p:nvSpPr>
+        <p:spPr>
+          <a:xfrm>
+            <a:off x="9839623" y="2757959"/>
+            <a:ext cx="809625" cy="0"/>
+          </a:xfrm>
+          <a:custGeom>
+            <a:avLst/>
+            <a:gdLst/>
+            <a:ahLst/>
+            <a:cxnLst/>
+            <a:rect l="l" t="t" r="r" b="b"/>
+            <a:pathLst>
+              <a:path w="809625">
+                <a:moveTo>
+                  <a:pt x="0" y="0"/>
+                </a:moveTo>
+                <a:lnTo>
+                  <a:pt x="809598" y="0"/>
+                </a:lnTo>
+              </a:path>
+            </a:pathLst>
+          </a:custGeom>
+          <a:ln w="76882">
+            <a:solidFill>
+              <a:srgbClr val="000000"/>
+            </a:solidFill>
+          </a:ln>
+        </p:spPr>
+        <p:txBody>
+          <a:bodyPr wrap="square" lIns="0" tIns="0" rIns="0" bIns="0" rtlCol="0"/>
+          <a:lstStyle/>
+          <a:p>
+            <a:endParaRPr/>
+          </a:p>
+        </p:txBody>
+      </p:sp>
+      <p:sp>
+        <p:nvSpPr>
+          <p:cNvPr id="28" name="object 28"/>
+          <p:cNvSpPr/>
+          <p:nvPr/>
+        </p:nvSpPr>
+        <p:spPr>
+          <a:xfrm>
+            <a:off x="10610047" y="2796701"/>
+            <a:ext cx="0" cy="875030"/>
+          </a:xfrm>
+          <a:custGeom>
+            <a:avLst/>
+            <a:gdLst/>
+            <a:ahLst/>
+            <a:cxnLst/>
+            <a:rect l="l" t="t" r="r" b="b"/>
+            <a:pathLst>
+              <a:path h="875029">
+                <a:moveTo>
+                  <a:pt x="0" y="0"/>
+                </a:moveTo>
+                <a:lnTo>
+                  <a:pt x="0" y="874571"/>
+                </a:lnTo>
+              </a:path>
+            </a:pathLst>
+          </a:custGeom>
+          <a:ln w="78348">
+            <a:solidFill>
+              <a:srgbClr val="000000"/>
+            </a:solidFill>
+          </a:ln>
+        </p:spPr>
+        <p:txBody>
+          <a:bodyPr wrap="square" lIns="0" tIns="0" rIns="0" bIns="0" rtlCol="0"/>
+          <a:lstStyle/>
+          <a:p>
+            <a:endParaRPr/>
+          </a:p>
+        </p:txBody>
+      </p:sp>
+      <p:sp>
+        <p:nvSpPr>
+          <p:cNvPr id="29" name="object 29"/>
+          <p:cNvSpPr/>
+          <p:nvPr/>
+        </p:nvSpPr>
+        <p:spPr>
+          <a:xfrm>
+            <a:off x="10009377" y="2873869"/>
+            <a:ext cx="104775" cy="103505"/>
+          </a:xfrm>
+          <a:custGeom>
+            <a:avLst/>
+            <a:gdLst/>
+            <a:ahLst/>
+            <a:cxnLst/>
+            <a:rect l="l" t="t" r="r" b="b"/>
+            <a:pathLst>
+              <a:path w="104775" h="103505">
+                <a:moveTo>
+                  <a:pt x="0" y="102890"/>
+                </a:moveTo>
+                <a:lnTo>
+                  <a:pt x="104464" y="102890"/>
+                </a:lnTo>
+                <a:lnTo>
+                  <a:pt x="104464" y="0"/>
+                </a:lnTo>
+                <a:lnTo>
+                  <a:pt x="0" y="0"/>
+                </a:lnTo>
+                <a:lnTo>
+                  <a:pt x="0" y="102890"/>
+                </a:lnTo>
+                <a:close/>
+              </a:path>
+            </a:pathLst>
+          </a:custGeom>
+          <a:solidFill>
+            <a:srgbClr val="000000"/>
+          </a:solidFill>
+        </p:spPr>
+        <p:txBody>
+          <a:bodyPr wrap="square" lIns="0" tIns="0" rIns="0" bIns="0" rtlCol="0"/>
+          <a:lstStyle/>
+          <a:p>
+            <a:endParaRPr/>
+          </a:p>
+        </p:txBody>
+      </p:sp>
+      <p:sp>
+        <p:nvSpPr>
+          <p:cNvPr id="30" name="object 30"/>
+          <p:cNvSpPr/>
+          <p:nvPr/>
+        </p:nvSpPr>
+        <p:spPr>
+          <a:xfrm>
+            <a:off x="10218306" y="2925315"/>
+            <a:ext cx="261620" cy="0"/>
+          </a:xfrm>
+          <a:custGeom>
+            <a:avLst/>
+            <a:gdLst/>
+            <a:ahLst/>
+            <a:cxnLst/>
+            <a:rect l="l" t="t" r="r" b="b"/>
+            <a:pathLst>
+              <a:path w="261620">
+                <a:moveTo>
+                  <a:pt x="0" y="0"/>
+                </a:moveTo>
+                <a:lnTo>
+                  <a:pt x="261160" y="0"/>
+                </a:lnTo>
+              </a:path>
+            </a:pathLst>
+          </a:custGeom>
+          <a:ln w="51445">
+            <a:solidFill>
+              <a:srgbClr val="000000"/>
+            </a:solidFill>
+          </a:ln>
+        </p:spPr>
+        <p:txBody>
+          <a:bodyPr wrap="square" lIns="0" tIns="0" rIns="0" bIns="0" rtlCol="0"/>
+          <a:lstStyle/>
+          <a:p>
+            <a:endParaRPr/>
+          </a:p>
+        </p:txBody>
+      </p:sp>
+      <p:sp>
+        <p:nvSpPr>
+          <p:cNvPr id="31" name="object 31"/>
+          <p:cNvSpPr/>
+          <p:nvPr/>
+        </p:nvSpPr>
+        <p:spPr>
+          <a:xfrm>
+            <a:off x="10009377" y="3079651"/>
+            <a:ext cx="104775" cy="103505"/>
+          </a:xfrm>
+          <a:custGeom>
+            <a:avLst/>
+            <a:gdLst/>
+            <a:ahLst/>
+            <a:cxnLst/>
+            <a:rect l="l" t="t" r="r" b="b"/>
+            <a:pathLst>
+              <a:path w="104775" h="103505">
+                <a:moveTo>
+                  <a:pt x="0" y="102890"/>
+                </a:moveTo>
+                <a:lnTo>
+                  <a:pt x="104464" y="102890"/>
+                </a:lnTo>
+                <a:lnTo>
+                  <a:pt x="104464" y="0"/>
+                </a:lnTo>
+                <a:lnTo>
+                  <a:pt x="0" y="0"/>
+                </a:lnTo>
+                <a:lnTo>
+                  <a:pt x="0" y="102890"/>
+                </a:lnTo>
+                <a:close/>
+              </a:path>
+            </a:pathLst>
+          </a:custGeom>
+          <a:solidFill>
+            <a:srgbClr val="000000"/>
+          </a:solidFill>
+        </p:spPr>
+        <p:txBody>
+          <a:bodyPr wrap="square" lIns="0" tIns="0" rIns="0" bIns="0" rtlCol="0"/>
+          <a:lstStyle/>
+          <a:p>
+            <a:endParaRPr/>
+          </a:p>
+        </p:txBody>
+      </p:sp>
+      <p:sp>
+        <p:nvSpPr>
+          <p:cNvPr id="32" name="object 32"/>
+          <p:cNvSpPr/>
+          <p:nvPr/>
+        </p:nvSpPr>
+        <p:spPr>
+          <a:xfrm>
+            <a:off x="10218306" y="3131096"/>
+            <a:ext cx="261620" cy="0"/>
+          </a:xfrm>
+          <a:custGeom>
+            <a:avLst/>
+            <a:gdLst/>
+            <a:ahLst/>
+            <a:cxnLst/>
+            <a:rect l="l" t="t" r="r" b="b"/>
+            <a:pathLst>
+              <a:path w="261620">
+                <a:moveTo>
+                  <a:pt x="0" y="0"/>
+                </a:moveTo>
+                <a:lnTo>
+                  <a:pt x="261160" y="0"/>
+                </a:lnTo>
+              </a:path>
+            </a:pathLst>
+          </a:custGeom>
+          <a:ln w="51445">
+            <a:solidFill>
+              <a:srgbClr val="000000"/>
+            </a:solidFill>
+          </a:ln>
+        </p:spPr>
+        <p:txBody>
+          <a:bodyPr wrap="square" lIns="0" tIns="0" rIns="0" bIns="0" rtlCol="0"/>
+          <a:lstStyle/>
+          <a:p>
+            <a:endParaRPr/>
+          </a:p>
+        </p:txBody>
+      </p:sp>
+      <p:sp>
+        <p:nvSpPr>
+          <p:cNvPr id="33" name="object 33"/>
+          <p:cNvSpPr/>
+          <p:nvPr/>
+        </p:nvSpPr>
+        <p:spPr>
+          <a:xfrm>
+            <a:off x="10009378" y="3285432"/>
+            <a:ext cx="104775" cy="103505"/>
+          </a:xfrm>
+          <a:custGeom>
+            <a:avLst/>
+            <a:gdLst/>
+            <a:ahLst/>
+            <a:cxnLst/>
+            <a:rect l="l" t="t" r="r" b="b"/>
+            <a:pathLst>
+              <a:path w="104775" h="103504">
+                <a:moveTo>
+                  <a:pt x="0" y="102890"/>
+                </a:moveTo>
+                <a:lnTo>
+                  <a:pt x="104464" y="102890"/>
+                </a:lnTo>
+                <a:lnTo>
+                  <a:pt x="104464" y="0"/>
+                </a:lnTo>
+                <a:lnTo>
+                  <a:pt x="0" y="0"/>
+                </a:lnTo>
+                <a:lnTo>
+                  <a:pt x="0" y="102890"/>
+                </a:lnTo>
+                <a:close/>
+              </a:path>
+            </a:pathLst>
+          </a:custGeom>
+          <a:solidFill>
+            <a:srgbClr val="000000"/>
+          </a:solidFill>
+        </p:spPr>
+        <p:txBody>
+          <a:bodyPr wrap="square" lIns="0" tIns="0" rIns="0" bIns="0" rtlCol="0"/>
+          <a:lstStyle/>
+          <a:p>
+            <a:endParaRPr/>
+          </a:p>
+        </p:txBody>
+      </p:sp>
+      <p:sp>
+        <p:nvSpPr>
+          <p:cNvPr id="34" name="object 34"/>
+          <p:cNvSpPr/>
+          <p:nvPr/>
+        </p:nvSpPr>
+        <p:spPr>
+          <a:xfrm>
+            <a:off x="10218306" y="3336878"/>
+            <a:ext cx="261620" cy="0"/>
+          </a:xfrm>
+          <a:custGeom>
+            <a:avLst/>
+            <a:gdLst/>
+            <a:ahLst/>
+            <a:cxnLst/>
+            <a:rect l="l" t="t" r="r" b="b"/>
+            <a:pathLst>
+              <a:path w="261620">
+                <a:moveTo>
+                  <a:pt x="0" y="0"/>
+                </a:moveTo>
+                <a:lnTo>
+                  <a:pt x="261160" y="0"/>
+                </a:lnTo>
+              </a:path>
+            </a:pathLst>
+          </a:custGeom>
+          <a:ln w="51445">
+            <a:solidFill>
+              <a:srgbClr val="000000"/>
+            </a:solidFill>
+          </a:ln>
+        </p:spPr>
+        <p:txBody>
+          <a:bodyPr wrap="square" lIns="0" tIns="0" rIns="0" bIns="0" rtlCol="0"/>
+          <a:lstStyle/>
+          <a:p>
+            <a:endParaRPr/>
+          </a:p>
+        </p:txBody>
+      </p:sp>
+      <p:sp>
+        <p:nvSpPr>
+          <p:cNvPr id="35" name="object 35"/>
+          <p:cNvSpPr/>
+          <p:nvPr/>
+        </p:nvSpPr>
+        <p:spPr>
+          <a:xfrm>
+            <a:off x="10009378" y="3491214"/>
+            <a:ext cx="104775" cy="103505"/>
+          </a:xfrm>
+          <a:custGeom>
+            <a:avLst/>
+            <a:gdLst/>
+            <a:ahLst/>
+            <a:cxnLst/>
+            <a:rect l="l" t="t" r="r" b="b"/>
+            <a:pathLst>
+              <a:path w="104775" h="103504">
+                <a:moveTo>
+                  <a:pt x="0" y="102890"/>
+                </a:moveTo>
+                <a:lnTo>
+                  <a:pt x="104464" y="102890"/>
+                </a:lnTo>
+                <a:lnTo>
+                  <a:pt x="104464" y="0"/>
+                </a:lnTo>
+                <a:lnTo>
+                  <a:pt x="0" y="0"/>
+                </a:lnTo>
+                <a:lnTo>
+                  <a:pt x="0" y="102890"/>
+                </a:lnTo>
+                <a:close/>
+              </a:path>
+            </a:pathLst>
+          </a:custGeom>
+          <a:solidFill>
+            <a:srgbClr val="000000"/>
+          </a:solidFill>
+        </p:spPr>
+        <p:txBody>
+          <a:bodyPr wrap="square" lIns="0" tIns="0" rIns="0" bIns="0" rtlCol="0"/>
+          <a:lstStyle/>
+          <a:p>
+            <a:endParaRPr/>
+          </a:p>
+        </p:txBody>
+      </p:sp>
+      <p:sp>
+        <p:nvSpPr>
+          <p:cNvPr id="36" name="object 36"/>
+          <p:cNvSpPr/>
+          <p:nvPr/>
+        </p:nvSpPr>
+        <p:spPr>
+          <a:xfrm>
+            <a:off x="10218306" y="3542659"/>
+            <a:ext cx="261620" cy="0"/>
+          </a:xfrm>
+          <a:custGeom>
+            <a:avLst/>
+            <a:gdLst/>
+            <a:ahLst/>
+            <a:cxnLst/>
+            <a:rect l="l" t="t" r="r" b="b"/>
+            <a:pathLst>
+              <a:path w="261620">
+                <a:moveTo>
+                  <a:pt x="0" y="0"/>
+                </a:moveTo>
+                <a:lnTo>
+                  <a:pt x="261160" y="0"/>
+                </a:lnTo>
+              </a:path>
+            </a:pathLst>
+          </a:custGeom>
+          <a:ln w="51445">
+            <a:solidFill>
+              <a:srgbClr val="000000"/>
+            </a:solidFill>
+          </a:ln>
+        </p:spPr>
+        <p:txBody>
+          <a:bodyPr wrap="square" lIns="0" tIns="0" rIns="0" bIns="0" rtlCol="0"/>
+          <a:lstStyle/>
+          <a:p>
+            <a:endParaRPr/>
+          </a:p>
+        </p:txBody>
+      </p:sp>
     </p:spTree>
+    <p:extLst>
+      <p:ext uri="{BB962C8B-B14F-4D97-AF65-F5344CB8AC3E}">
+        <p14:creationId xmlns:p14="http://schemas.microsoft.com/office/powerpoint/2010/main" val="2850259157"/>
+      </p:ext>
+    </p:extLst>
   </p:cSld>
   <p:clrMapOvr>
     <a:masterClrMapping/>
